--- a/Lesson 1/Introduction to C#.pptx
+++ b/Lesson 1/Introduction to C#.pptx
@@ -4,6 +4,9 @@
   <p:sldMasterIdLst>
     <p:sldMasterId id="2147483648" r:id="rId1"/>
   </p:sldMasterIdLst>
+  <p:notesMasterIdLst>
+    <p:notesMasterId r:id="rId21"/>
+  </p:notesMasterIdLst>
   <p:sldIdLst>
     <p:sldId id="256" r:id="rId2"/>
     <p:sldId id="257" r:id="rId3"/>
@@ -17,12 +20,13 @@
     <p:sldId id="264" r:id="rId11"/>
     <p:sldId id="266" r:id="rId12"/>
     <p:sldId id="267" r:id="rId13"/>
-    <p:sldId id="268" r:id="rId14"/>
-    <p:sldId id="271" r:id="rId15"/>
-    <p:sldId id="273" r:id="rId16"/>
-    <p:sldId id="269" r:id="rId17"/>
-    <p:sldId id="270" r:id="rId18"/>
-    <p:sldId id="272" r:id="rId19"/>
+    <p:sldId id="274" r:id="rId14"/>
+    <p:sldId id="268" r:id="rId15"/>
+    <p:sldId id="271" r:id="rId16"/>
+    <p:sldId id="273" r:id="rId17"/>
+    <p:sldId id="269" r:id="rId18"/>
+    <p:sldId id="270" r:id="rId19"/>
+    <p:sldId id="272" r:id="rId20"/>
   </p:sldIdLst>
   <p:sldSz cx="12192000" cy="6858000"/>
   <p:notesSz cx="6858000" cy="9144000"/>
@@ -3132,6 +3136,708 @@
 </dgm:styleDef>
 </file>
 
+<file path=ppt/notesMasters/notesMaster1.xml><?xml version="1.0" encoding="utf-8"?>
+<p:notesMaster xmlns:a="http://schemas.openxmlformats.org/drawingml/2006/main" xmlns:r="http://schemas.openxmlformats.org/officeDocument/2006/relationships" xmlns:p="http://schemas.openxmlformats.org/presentationml/2006/main">
+  <p:cSld>
+    <p:bg>
+      <p:bgRef idx="1001">
+        <a:schemeClr val="bg1"/>
+      </p:bgRef>
+    </p:bg>
+    <p:spTree>
+      <p:nvGrpSpPr>
+        <p:cNvPr id="1" name=""/>
+        <p:cNvGrpSpPr/>
+        <p:nvPr/>
+      </p:nvGrpSpPr>
+      <p:grpSpPr>
+        <a:xfrm>
+          <a:off x="0" y="0"/>
+          <a:ext cx="0" cy="0"/>
+          <a:chOff x="0" y="0"/>
+          <a:chExt cx="0" cy="0"/>
+        </a:xfrm>
+      </p:grpSpPr>
+      <p:sp>
+        <p:nvSpPr>
+          <p:cNvPr id="2" name="Header Placeholder 1"/>
+          <p:cNvSpPr>
+            <a:spLocks noGrp="1"/>
+          </p:cNvSpPr>
+          <p:nvPr>
+            <p:ph type="hdr" sz="quarter"/>
+          </p:nvPr>
+        </p:nvSpPr>
+        <p:spPr>
+          <a:xfrm>
+            <a:off x="0" y="0"/>
+            <a:ext cx="2971800" cy="458788"/>
+          </a:xfrm>
+          <a:prstGeom prst="rect">
+            <a:avLst/>
+          </a:prstGeom>
+        </p:spPr>
+        <p:txBody>
+          <a:bodyPr vert="horz" lIns="91440" tIns="45720" rIns="91440" bIns="45720" rtlCol="0"/>
+          <a:lstStyle>
+            <a:lvl1pPr algn="l">
+              <a:defRPr sz="1200"/>
+            </a:lvl1pPr>
+          </a:lstStyle>
+          <a:p>
+            <a:endParaRPr lang="en-US"/>
+          </a:p>
+        </p:txBody>
+      </p:sp>
+      <p:sp>
+        <p:nvSpPr>
+          <p:cNvPr id="3" name="Date Placeholder 2"/>
+          <p:cNvSpPr>
+            <a:spLocks noGrp="1"/>
+          </p:cNvSpPr>
+          <p:nvPr>
+            <p:ph type="dt" idx="1"/>
+          </p:nvPr>
+        </p:nvSpPr>
+        <p:spPr>
+          <a:xfrm>
+            <a:off x="3884613" y="0"/>
+            <a:ext cx="2971800" cy="458788"/>
+          </a:xfrm>
+          <a:prstGeom prst="rect">
+            <a:avLst/>
+          </a:prstGeom>
+        </p:spPr>
+        <p:txBody>
+          <a:bodyPr vert="horz" lIns="91440" tIns="45720" rIns="91440" bIns="45720" rtlCol="0"/>
+          <a:lstStyle>
+            <a:lvl1pPr algn="r">
+              <a:defRPr sz="1200"/>
+            </a:lvl1pPr>
+          </a:lstStyle>
+          <a:p>
+            <a:fld id="{6F75398A-4D6F-4AAC-9B4F-F3F0374E7478}" type="datetimeFigureOut">
+              <a:rPr lang="en-US" smtClean="0"/>
+              <a:t>1/10/2019</a:t>
+            </a:fld>
+            <a:endParaRPr lang="en-US"/>
+          </a:p>
+        </p:txBody>
+      </p:sp>
+      <p:sp>
+        <p:nvSpPr>
+          <p:cNvPr id="4" name="Slide Image Placeholder 3"/>
+          <p:cNvSpPr>
+            <a:spLocks noGrp="1" noRot="1" noChangeAspect="1"/>
+          </p:cNvSpPr>
+          <p:nvPr>
+            <p:ph type="sldImg" idx="2"/>
+          </p:nvPr>
+        </p:nvSpPr>
+        <p:spPr>
+          <a:xfrm>
+            <a:off x="685800" y="1143000"/>
+            <a:ext cx="5486400" cy="3086100"/>
+          </a:xfrm>
+          <a:prstGeom prst="rect">
+            <a:avLst/>
+          </a:prstGeom>
+          <a:noFill/>
+          <a:ln w="12700">
+            <a:solidFill>
+              <a:prstClr val="black"/>
+            </a:solidFill>
+          </a:ln>
+        </p:spPr>
+        <p:txBody>
+          <a:bodyPr vert="horz" lIns="91440" tIns="45720" rIns="91440" bIns="45720" rtlCol="0" anchor="ctr"/>
+          <a:lstStyle/>
+          <a:p>
+            <a:endParaRPr lang="en-US"/>
+          </a:p>
+        </p:txBody>
+      </p:sp>
+      <p:sp>
+        <p:nvSpPr>
+          <p:cNvPr id="5" name="Notes Placeholder 4"/>
+          <p:cNvSpPr>
+            <a:spLocks noGrp="1"/>
+          </p:cNvSpPr>
+          <p:nvPr>
+            <p:ph type="body" sz="quarter" idx="3"/>
+          </p:nvPr>
+        </p:nvSpPr>
+        <p:spPr>
+          <a:xfrm>
+            <a:off x="685800" y="4400550"/>
+            <a:ext cx="5486400" cy="3600450"/>
+          </a:xfrm>
+          <a:prstGeom prst="rect">
+            <a:avLst/>
+          </a:prstGeom>
+        </p:spPr>
+        <p:txBody>
+          <a:bodyPr vert="horz" lIns="91440" tIns="45720" rIns="91440" bIns="45720" rtlCol="0"/>
+          <a:lstStyle/>
+          <a:p>
+            <a:pPr lvl="0"/>
+            <a:r>
+              <a:rPr lang="en-US" smtClean="0"/>
+              <a:t>Click to edit Master text styles</a:t>
+            </a:r>
+          </a:p>
+          <a:p>
+            <a:pPr lvl="1"/>
+            <a:r>
+              <a:rPr lang="en-US" smtClean="0"/>
+              <a:t>Second level</a:t>
+            </a:r>
+          </a:p>
+          <a:p>
+            <a:pPr lvl="2"/>
+            <a:r>
+              <a:rPr lang="en-US" smtClean="0"/>
+              <a:t>Third level</a:t>
+            </a:r>
+          </a:p>
+          <a:p>
+            <a:pPr lvl="3"/>
+            <a:r>
+              <a:rPr lang="en-US" smtClean="0"/>
+              <a:t>Fourth level</a:t>
+            </a:r>
+          </a:p>
+          <a:p>
+            <a:pPr lvl="4"/>
+            <a:r>
+              <a:rPr lang="en-US" smtClean="0"/>
+              <a:t>Fifth level</a:t>
+            </a:r>
+            <a:endParaRPr lang="en-US"/>
+          </a:p>
+        </p:txBody>
+      </p:sp>
+      <p:sp>
+        <p:nvSpPr>
+          <p:cNvPr id="6" name="Footer Placeholder 5"/>
+          <p:cNvSpPr>
+            <a:spLocks noGrp="1"/>
+          </p:cNvSpPr>
+          <p:nvPr>
+            <p:ph type="ftr" sz="quarter" idx="4"/>
+          </p:nvPr>
+        </p:nvSpPr>
+        <p:spPr>
+          <a:xfrm>
+            <a:off x="0" y="8685213"/>
+            <a:ext cx="2971800" cy="458787"/>
+          </a:xfrm>
+          <a:prstGeom prst="rect">
+            <a:avLst/>
+          </a:prstGeom>
+        </p:spPr>
+        <p:txBody>
+          <a:bodyPr vert="horz" lIns="91440" tIns="45720" rIns="91440" bIns="45720" rtlCol="0" anchor="b"/>
+          <a:lstStyle>
+            <a:lvl1pPr algn="l">
+              <a:defRPr sz="1200"/>
+            </a:lvl1pPr>
+          </a:lstStyle>
+          <a:p>
+            <a:endParaRPr lang="en-US"/>
+          </a:p>
+        </p:txBody>
+      </p:sp>
+      <p:sp>
+        <p:nvSpPr>
+          <p:cNvPr id="7" name="Slide Number Placeholder 6"/>
+          <p:cNvSpPr>
+            <a:spLocks noGrp="1"/>
+          </p:cNvSpPr>
+          <p:nvPr>
+            <p:ph type="sldNum" sz="quarter" idx="5"/>
+          </p:nvPr>
+        </p:nvSpPr>
+        <p:spPr>
+          <a:xfrm>
+            <a:off x="3884613" y="8685213"/>
+            <a:ext cx="2971800" cy="458787"/>
+          </a:xfrm>
+          <a:prstGeom prst="rect">
+            <a:avLst/>
+          </a:prstGeom>
+        </p:spPr>
+        <p:txBody>
+          <a:bodyPr vert="horz" lIns="91440" tIns="45720" rIns="91440" bIns="45720" rtlCol="0" anchor="b"/>
+          <a:lstStyle>
+            <a:lvl1pPr algn="r">
+              <a:defRPr sz="1200"/>
+            </a:lvl1pPr>
+          </a:lstStyle>
+          <a:p>
+            <a:fld id="{19404688-490E-4578-A5CC-6FB37A8DA807}" type="slidenum">
+              <a:rPr lang="en-US" smtClean="0"/>
+              <a:t>‹#›</a:t>
+            </a:fld>
+            <a:endParaRPr lang="en-US"/>
+          </a:p>
+        </p:txBody>
+      </p:sp>
+    </p:spTree>
+    <p:extLst>
+      <p:ext uri="{BB962C8B-B14F-4D97-AF65-F5344CB8AC3E}">
+        <p14:creationId xmlns:p14="http://schemas.microsoft.com/office/powerpoint/2010/main" val="595037323"/>
+      </p:ext>
+    </p:extLst>
+  </p:cSld>
+  <p:clrMap bg1="lt1" tx1="dk1" bg2="lt2" tx2="dk2" accent1="accent1" accent2="accent2" accent3="accent3" accent4="accent4" accent5="accent5" accent6="accent6" hlink="hlink" folHlink="folHlink"/>
+  <p:notesStyle>
+    <a:lvl1pPr marL="0" algn="l" defTabSz="914400" rtl="0" eaLnBrk="1" latinLnBrk="0" hangingPunct="1">
+      <a:defRPr sz="1200" kern="1200">
+        <a:solidFill>
+          <a:schemeClr val="tx1"/>
+        </a:solidFill>
+        <a:latin typeface="+mn-lt"/>
+        <a:ea typeface="+mn-ea"/>
+        <a:cs typeface="+mn-cs"/>
+      </a:defRPr>
+    </a:lvl1pPr>
+    <a:lvl2pPr marL="457200" algn="l" defTabSz="914400" rtl="0" eaLnBrk="1" latinLnBrk="0" hangingPunct="1">
+      <a:defRPr sz="1200" kern="1200">
+        <a:solidFill>
+          <a:schemeClr val="tx1"/>
+        </a:solidFill>
+        <a:latin typeface="+mn-lt"/>
+        <a:ea typeface="+mn-ea"/>
+        <a:cs typeface="+mn-cs"/>
+      </a:defRPr>
+    </a:lvl2pPr>
+    <a:lvl3pPr marL="914400" algn="l" defTabSz="914400" rtl="0" eaLnBrk="1" latinLnBrk="0" hangingPunct="1">
+      <a:defRPr sz="1200" kern="1200">
+        <a:solidFill>
+          <a:schemeClr val="tx1"/>
+        </a:solidFill>
+        <a:latin typeface="+mn-lt"/>
+        <a:ea typeface="+mn-ea"/>
+        <a:cs typeface="+mn-cs"/>
+      </a:defRPr>
+    </a:lvl3pPr>
+    <a:lvl4pPr marL="1371600" algn="l" defTabSz="914400" rtl="0" eaLnBrk="1" latinLnBrk="0" hangingPunct="1">
+      <a:defRPr sz="1200" kern="1200">
+        <a:solidFill>
+          <a:schemeClr val="tx1"/>
+        </a:solidFill>
+        <a:latin typeface="+mn-lt"/>
+        <a:ea typeface="+mn-ea"/>
+        <a:cs typeface="+mn-cs"/>
+      </a:defRPr>
+    </a:lvl4pPr>
+    <a:lvl5pPr marL="1828800" algn="l" defTabSz="914400" rtl="0" eaLnBrk="1" latinLnBrk="0" hangingPunct="1">
+      <a:defRPr sz="1200" kern="1200">
+        <a:solidFill>
+          <a:schemeClr val="tx1"/>
+        </a:solidFill>
+        <a:latin typeface="+mn-lt"/>
+        <a:ea typeface="+mn-ea"/>
+        <a:cs typeface="+mn-cs"/>
+      </a:defRPr>
+    </a:lvl5pPr>
+    <a:lvl6pPr marL="2286000" algn="l" defTabSz="914400" rtl="0" eaLnBrk="1" latinLnBrk="0" hangingPunct="1">
+      <a:defRPr sz="1200" kern="1200">
+        <a:solidFill>
+          <a:schemeClr val="tx1"/>
+        </a:solidFill>
+        <a:latin typeface="+mn-lt"/>
+        <a:ea typeface="+mn-ea"/>
+        <a:cs typeface="+mn-cs"/>
+      </a:defRPr>
+    </a:lvl6pPr>
+    <a:lvl7pPr marL="2743200" algn="l" defTabSz="914400" rtl="0" eaLnBrk="1" latinLnBrk="0" hangingPunct="1">
+      <a:defRPr sz="1200" kern="1200">
+        <a:solidFill>
+          <a:schemeClr val="tx1"/>
+        </a:solidFill>
+        <a:latin typeface="+mn-lt"/>
+        <a:ea typeface="+mn-ea"/>
+        <a:cs typeface="+mn-cs"/>
+      </a:defRPr>
+    </a:lvl7pPr>
+    <a:lvl8pPr marL="3200400" algn="l" defTabSz="914400" rtl="0" eaLnBrk="1" latinLnBrk="0" hangingPunct="1">
+      <a:defRPr sz="1200" kern="1200">
+        <a:solidFill>
+          <a:schemeClr val="tx1"/>
+        </a:solidFill>
+        <a:latin typeface="+mn-lt"/>
+        <a:ea typeface="+mn-ea"/>
+        <a:cs typeface="+mn-cs"/>
+      </a:defRPr>
+    </a:lvl8pPr>
+    <a:lvl9pPr marL="3657600" algn="l" defTabSz="914400" rtl="0" eaLnBrk="1" latinLnBrk="0" hangingPunct="1">
+      <a:defRPr sz="1200" kern="1200">
+        <a:solidFill>
+          <a:schemeClr val="tx1"/>
+        </a:solidFill>
+        <a:latin typeface="+mn-lt"/>
+        <a:ea typeface="+mn-ea"/>
+        <a:cs typeface="+mn-cs"/>
+      </a:defRPr>
+    </a:lvl9pPr>
+  </p:notesStyle>
+</p:notesMaster>
+</file>
+
+<file path=ppt/notesSlides/notesSlide1.xml><?xml version="1.0" encoding="utf-8"?>
+<p:notes xmlns:a="http://schemas.openxmlformats.org/drawingml/2006/main" xmlns:r="http://schemas.openxmlformats.org/officeDocument/2006/relationships" xmlns:p="http://schemas.openxmlformats.org/presentationml/2006/main">
+  <p:cSld>
+    <p:spTree>
+      <p:nvGrpSpPr>
+        <p:cNvPr id="1" name=""/>
+        <p:cNvGrpSpPr/>
+        <p:nvPr/>
+      </p:nvGrpSpPr>
+      <p:grpSpPr>
+        <a:xfrm>
+          <a:off x="0" y="0"/>
+          <a:ext cx="0" cy="0"/>
+          <a:chOff x="0" y="0"/>
+          <a:chExt cx="0" cy="0"/>
+        </a:xfrm>
+      </p:grpSpPr>
+      <p:sp>
+        <p:nvSpPr>
+          <p:cNvPr id="2" name="Slide Image Placeholder 1"/>
+          <p:cNvSpPr>
+            <a:spLocks noGrp="1" noRot="1" noChangeAspect="1"/>
+          </p:cNvSpPr>
+          <p:nvPr>
+            <p:ph type="sldImg"/>
+          </p:nvPr>
+        </p:nvSpPr>
+        <p:spPr/>
+      </p:sp>
+      <p:sp>
+        <p:nvSpPr>
+          <p:cNvPr id="3" name="Notes Placeholder 2"/>
+          <p:cNvSpPr>
+            <a:spLocks noGrp="1"/>
+          </p:cNvSpPr>
+          <p:nvPr>
+            <p:ph type="body" idx="1"/>
+          </p:nvPr>
+        </p:nvSpPr>
+        <p:spPr/>
+        <p:txBody>
+          <a:bodyPr/>
+          <a:lstStyle/>
+          <a:p>
+            <a:endParaRPr lang="en-US"/>
+          </a:p>
+        </p:txBody>
+      </p:sp>
+      <p:sp>
+        <p:nvSpPr>
+          <p:cNvPr id="4" name="Slide Number Placeholder 3"/>
+          <p:cNvSpPr>
+            <a:spLocks noGrp="1"/>
+          </p:cNvSpPr>
+          <p:nvPr>
+            <p:ph type="sldNum" sz="quarter" idx="10"/>
+          </p:nvPr>
+        </p:nvSpPr>
+        <p:spPr/>
+        <p:txBody>
+          <a:bodyPr/>
+          <a:lstStyle/>
+          <a:p>
+            <a:fld id="{19404688-490E-4578-A5CC-6FB37A8DA807}" type="slidenum">
+              <a:rPr lang="en-US" smtClean="0"/>
+              <a:t>2</a:t>
+            </a:fld>
+            <a:endParaRPr lang="en-US"/>
+          </a:p>
+        </p:txBody>
+      </p:sp>
+    </p:spTree>
+    <p:extLst>
+      <p:ext uri="{BB962C8B-B14F-4D97-AF65-F5344CB8AC3E}">
+        <p14:creationId xmlns:p14="http://schemas.microsoft.com/office/powerpoint/2010/main" val="427447216"/>
+      </p:ext>
+    </p:extLst>
+  </p:cSld>
+  <p:clrMapOvr>
+    <a:masterClrMapping/>
+  </p:clrMapOvr>
+</p:notes>
+</file>
+
+<file path=ppt/notesSlides/notesSlide2.xml><?xml version="1.0" encoding="utf-8"?>
+<p:notes xmlns:a="http://schemas.openxmlformats.org/drawingml/2006/main" xmlns:r="http://schemas.openxmlformats.org/officeDocument/2006/relationships" xmlns:p="http://schemas.openxmlformats.org/presentationml/2006/main">
+  <p:cSld>
+    <p:spTree>
+      <p:nvGrpSpPr>
+        <p:cNvPr id="1" name=""/>
+        <p:cNvGrpSpPr/>
+        <p:nvPr/>
+      </p:nvGrpSpPr>
+      <p:grpSpPr>
+        <a:xfrm>
+          <a:off x="0" y="0"/>
+          <a:ext cx="0" cy="0"/>
+          <a:chOff x="0" y="0"/>
+          <a:chExt cx="0" cy="0"/>
+        </a:xfrm>
+      </p:grpSpPr>
+      <p:sp>
+        <p:nvSpPr>
+          <p:cNvPr id="2" name="Slide Image Placeholder 1"/>
+          <p:cNvSpPr>
+            <a:spLocks noGrp="1" noRot="1" noChangeAspect="1"/>
+          </p:cNvSpPr>
+          <p:nvPr>
+            <p:ph type="sldImg"/>
+          </p:nvPr>
+        </p:nvSpPr>
+        <p:spPr/>
+      </p:sp>
+      <p:sp>
+        <p:nvSpPr>
+          <p:cNvPr id="3" name="Notes Placeholder 2"/>
+          <p:cNvSpPr>
+            <a:spLocks noGrp="1"/>
+          </p:cNvSpPr>
+          <p:nvPr>
+            <p:ph type="body" idx="1"/>
+          </p:nvPr>
+        </p:nvSpPr>
+        <p:spPr/>
+        <p:txBody>
+          <a:bodyPr/>
+          <a:lstStyle/>
+          <a:p>
+            <a:endParaRPr lang="en-US" dirty="0"/>
+          </a:p>
+        </p:txBody>
+      </p:sp>
+      <p:sp>
+        <p:nvSpPr>
+          <p:cNvPr id="4" name="Slide Number Placeholder 3"/>
+          <p:cNvSpPr>
+            <a:spLocks noGrp="1"/>
+          </p:cNvSpPr>
+          <p:nvPr>
+            <p:ph type="sldNum" sz="quarter" idx="10"/>
+          </p:nvPr>
+        </p:nvSpPr>
+        <p:spPr/>
+        <p:txBody>
+          <a:bodyPr/>
+          <a:lstStyle/>
+          <a:p>
+            <a:fld id="{19404688-490E-4578-A5CC-6FB37A8DA807}" type="slidenum">
+              <a:rPr lang="en-US" smtClean="0"/>
+              <a:t>5</a:t>
+            </a:fld>
+            <a:endParaRPr lang="en-US"/>
+          </a:p>
+        </p:txBody>
+      </p:sp>
+    </p:spTree>
+    <p:extLst>
+      <p:ext uri="{BB962C8B-B14F-4D97-AF65-F5344CB8AC3E}">
+        <p14:creationId xmlns:p14="http://schemas.microsoft.com/office/powerpoint/2010/main" val="3615936151"/>
+      </p:ext>
+    </p:extLst>
+  </p:cSld>
+  <p:clrMapOvr>
+    <a:masterClrMapping/>
+  </p:clrMapOvr>
+</p:notes>
+</file>
+
+<file path=ppt/notesSlides/notesSlide3.xml><?xml version="1.0" encoding="utf-8"?>
+<p:notes xmlns:a="http://schemas.openxmlformats.org/drawingml/2006/main" xmlns:r="http://schemas.openxmlformats.org/officeDocument/2006/relationships" xmlns:p="http://schemas.openxmlformats.org/presentationml/2006/main">
+  <p:cSld>
+    <p:spTree>
+      <p:nvGrpSpPr>
+        <p:cNvPr id="1" name=""/>
+        <p:cNvGrpSpPr/>
+        <p:nvPr/>
+      </p:nvGrpSpPr>
+      <p:grpSpPr>
+        <a:xfrm>
+          <a:off x="0" y="0"/>
+          <a:ext cx="0" cy="0"/>
+          <a:chOff x="0" y="0"/>
+          <a:chExt cx="0" cy="0"/>
+        </a:xfrm>
+      </p:grpSpPr>
+      <p:sp>
+        <p:nvSpPr>
+          <p:cNvPr id="2" name="Slide Image Placeholder 1"/>
+          <p:cNvSpPr>
+            <a:spLocks noGrp="1" noRot="1" noChangeAspect="1"/>
+          </p:cNvSpPr>
+          <p:nvPr>
+            <p:ph type="sldImg"/>
+          </p:nvPr>
+        </p:nvSpPr>
+        <p:spPr/>
+      </p:sp>
+      <p:sp>
+        <p:nvSpPr>
+          <p:cNvPr id="3" name="Notes Placeholder 2"/>
+          <p:cNvSpPr>
+            <a:spLocks noGrp="1"/>
+          </p:cNvSpPr>
+          <p:nvPr>
+            <p:ph type="body" idx="1"/>
+          </p:nvPr>
+        </p:nvSpPr>
+        <p:spPr/>
+        <p:txBody>
+          <a:bodyPr/>
+          <a:lstStyle/>
+          <a:p>
+            <a:endParaRPr lang="en-US" dirty="0"/>
+          </a:p>
+        </p:txBody>
+      </p:sp>
+      <p:sp>
+        <p:nvSpPr>
+          <p:cNvPr id="4" name="Slide Number Placeholder 3"/>
+          <p:cNvSpPr>
+            <a:spLocks noGrp="1"/>
+          </p:cNvSpPr>
+          <p:nvPr>
+            <p:ph type="sldNum" sz="quarter" idx="10"/>
+          </p:nvPr>
+        </p:nvSpPr>
+        <p:spPr/>
+        <p:txBody>
+          <a:bodyPr/>
+          <a:lstStyle/>
+          <a:p>
+            <a:fld id="{19404688-490E-4578-A5CC-6FB37A8DA807}" type="slidenum">
+              <a:rPr lang="en-US" smtClean="0"/>
+              <a:t>10</a:t>
+            </a:fld>
+            <a:endParaRPr lang="en-US"/>
+          </a:p>
+        </p:txBody>
+      </p:sp>
+    </p:spTree>
+    <p:extLst>
+      <p:ext uri="{BB962C8B-B14F-4D97-AF65-F5344CB8AC3E}">
+        <p14:creationId xmlns:p14="http://schemas.microsoft.com/office/powerpoint/2010/main" val="243659984"/>
+      </p:ext>
+    </p:extLst>
+  </p:cSld>
+  <p:clrMapOvr>
+    <a:masterClrMapping/>
+  </p:clrMapOvr>
+</p:notes>
+</file>
+
+<file path=ppt/notesSlides/notesSlide4.xml><?xml version="1.0" encoding="utf-8"?>
+<p:notes xmlns:a="http://schemas.openxmlformats.org/drawingml/2006/main" xmlns:r="http://schemas.openxmlformats.org/officeDocument/2006/relationships" xmlns:p="http://schemas.openxmlformats.org/presentationml/2006/main">
+  <p:cSld>
+    <p:spTree>
+      <p:nvGrpSpPr>
+        <p:cNvPr id="1" name=""/>
+        <p:cNvGrpSpPr/>
+        <p:nvPr/>
+      </p:nvGrpSpPr>
+      <p:grpSpPr>
+        <a:xfrm>
+          <a:off x="0" y="0"/>
+          <a:ext cx="0" cy="0"/>
+          <a:chOff x="0" y="0"/>
+          <a:chExt cx="0" cy="0"/>
+        </a:xfrm>
+      </p:grpSpPr>
+      <p:sp>
+        <p:nvSpPr>
+          <p:cNvPr id="2" name="Slide Image Placeholder 1"/>
+          <p:cNvSpPr>
+            <a:spLocks noGrp="1" noRot="1" noChangeAspect="1"/>
+          </p:cNvSpPr>
+          <p:nvPr>
+            <p:ph type="sldImg"/>
+          </p:nvPr>
+        </p:nvSpPr>
+        <p:spPr/>
+      </p:sp>
+      <p:sp>
+        <p:nvSpPr>
+          <p:cNvPr id="3" name="Notes Placeholder 2"/>
+          <p:cNvSpPr>
+            <a:spLocks noGrp="1"/>
+          </p:cNvSpPr>
+          <p:nvPr>
+            <p:ph type="body" idx="1"/>
+          </p:nvPr>
+        </p:nvSpPr>
+        <p:spPr/>
+        <p:txBody>
+          <a:bodyPr/>
+          <a:lstStyle/>
+          <a:p>
+            <a:r>
+              <a:rPr lang="en-US" dirty="0" err="1" smtClean="0"/>
+              <a:t>Foreach</a:t>
+            </a:r>
+            <a:r>
+              <a:rPr lang="en-US" dirty="0" smtClean="0"/>
+              <a:t> is used by </a:t>
+            </a:r>
+            <a:r>
+              <a:rPr lang="en-US" dirty="0" err="1" smtClean="0"/>
+              <a:t>IEnumerable</a:t>
+            </a:r>
+            <a:r>
+              <a:rPr lang="en-US" baseline="0" dirty="0" smtClean="0"/>
+              <a:t> </a:t>
+            </a:r>
+            <a:endParaRPr lang="en-US" dirty="0"/>
+          </a:p>
+        </p:txBody>
+      </p:sp>
+      <p:sp>
+        <p:nvSpPr>
+          <p:cNvPr id="4" name="Slide Number Placeholder 3"/>
+          <p:cNvSpPr>
+            <a:spLocks noGrp="1"/>
+          </p:cNvSpPr>
+          <p:nvPr>
+            <p:ph type="sldNum" sz="quarter" idx="10"/>
+          </p:nvPr>
+        </p:nvSpPr>
+        <p:spPr/>
+        <p:txBody>
+          <a:bodyPr/>
+          <a:lstStyle/>
+          <a:p>
+            <a:fld id="{19404688-490E-4578-A5CC-6FB37A8DA807}" type="slidenum">
+              <a:rPr lang="en-US" smtClean="0"/>
+              <a:t>12</a:t>
+            </a:fld>
+            <a:endParaRPr lang="en-US"/>
+          </a:p>
+        </p:txBody>
+      </p:sp>
+    </p:spTree>
+    <p:extLst>
+      <p:ext uri="{BB962C8B-B14F-4D97-AF65-F5344CB8AC3E}">
+        <p14:creationId xmlns:p14="http://schemas.microsoft.com/office/powerpoint/2010/main" val="530425625"/>
+      </p:ext>
+    </p:extLst>
+  </p:cSld>
+  <p:clrMapOvr>
+    <a:masterClrMapping/>
+  </p:clrMapOvr>
+</p:notes>
+</file>
+
 <file path=ppt/slideLayouts/slideLayout1.xml><?xml version="1.0" encoding="utf-8"?>
 <p:sldLayout xmlns:a="http://schemas.openxmlformats.org/drawingml/2006/main" xmlns:r="http://schemas.openxmlformats.org/officeDocument/2006/relationships" xmlns:p="http://schemas.openxmlformats.org/presentationml/2006/main" showMasterSp="0" type="title" preserve="1">
   <p:cSld name="Title Slide">
@@ -3189,7 +3895,7 @@
           <a:noFill/>
           <a:extLst>
             <a:ext uri="{909E8E84-426E-40dd-AFC4-6F175D3DCCD1}">
-              <a14:hiddenFill xmlns:a14="http://schemas.microsoft.com/office/drawing/2010/main" xmlns="">
+              <a14:hiddenFill xmlns="" xmlns:a14="http://schemas.microsoft.com/office/drawing/2010/main">
                 <a:solidFill>
                   <a:srgbClr val="FFFFFF"/>
                 </a:solidFill>
@@ -3248,7 +3954,7 @@
             </a:ln>
             <a:extLst>
               <a:ext uri="{91240B29-F687-4f45-9708-019B960494DF}">
-                <a14:hiddenLine xmlns:a14="http://schemas.microsoft.com/office/drawing/2010/main" xmlns="" w="9525">
+                <a14:hiddenLine xmlns="" xmlns:a14="http://schemas.microsoft.com/office/drawing/2010/main" w="9525">
                   <a:solidFill>
                     <a:srgbClr val="000000"/>
                   </a:solidFill>
@@ -3338,7 +4044,7 @@
             </a:ln>
             <a:extLst>
               <a:ext uri="{91240B29-F687-4f45-9708-019B960494DF}">
-                <a14:hiddenLine xmlns:a14="http://schemas.microsoft.com/office/drawing/2010/main" xmlns="" w="9525">
+                <a14:hiddenLine xmlns="" xmlns:a14="http://schemas.microsoft.com/office/drawing/2010/main" w="9525">
                   <a:solidFill>
                     <a:srgbClr val="000000"/>
                   </a:solidFill>
@@ -3428,7 +4134,7 @@
             </a:ln>
             <a:extLst>
               <a:ext uri="{91240B29-F687-4f45-9708-019B960494DF}">
-                <a14:hiddenLine xmlns:a14="http://schemas.microsoft.com/office/drawing/2010/main" xmlns="" w="9525">
+                <a14:hiddenLine xmlns="" xmlns:a14="http://schemas.microsoft.com/office/drawing/2010/main" w="9525">
                   <a:solidFill>
                     <a:srgbClr val="000000"/>
                   </a:solidFill>
@@ -3462,7 +4168,7 @@
             </a:ln>
             <a:extLst>
               <a:ext uri="{91240B29-F687-4f45-9708-019B960494DF}">
-                <a14:hiddenLine xmlns:a14="http://schemas.microsoft.com/office/drawing/2010/main" xmlns="" w="9525">
+                <a14:hiddenLine xmlns="" xmlns:a14="http://schemas.microsoft.com/office/drawing/2010/main" w="9525">
                   <a:solidFill>
                     <a:srgbClr val="000000"/>
                   </a:solidFill>
@@ -3552,7 +4258,7 @@
             </a:ln>
             <a:extLst>
               <a:ext uri="{91240B29-F687-4f45-9708-019B960494DF}">
-                <a14:hiddenLine xmlns:a14="http://schemas.microsoft.com/office/drawing/2010/main" xmlns="" w="9525">
+                <a14:hiddenLine xmlns="" xmlns:a14="http://schemas.microsoft.com/office/drawing/2010/main" w="9525">
                   <a:solidFill>
                     <a:srgbClr val="000000"/>
                   </a:solidFill>
@@ -3614,7 +4320,7 @@
             </a:ln>
             <a:extLst>
               <a:ext uri="{91240B29-F687-4f45-9708-019B960494DF}">
-                <a14:hiddenLine xmlns:a14="http://schemas.microsoft.com/office/drawing/2010/main" xmlns="" w="9525">
+                <a14:hiddenLine xmlns="" xmlns:a14="http://schemas.microsoft.com/office/drawing/2010/main" w="9525">
                   <a:solidFill>
                     <a:srgbClr val="000000"/>
                   </a:solidFill>
@@ -3676,7 +4382,7 @@
             </a:ln>
             <a:extLst>
               <a:ext uri="{91240B29-F687-4f45-9708-019B960494DF}">
-                <a14:hiddenLine xmlns:a14="http://schemas.microsoft.com/office/drawing/2010/main" xmlns="" w="9525">
+                <a14:hiddenLine xmlns="" xmlns:a14="http://schemas.microsoft.com/office/drawing/2010/main" w="9525">
                   <a:solidFill>
                     <a:srgbClr val="000000"/>
                   </a:solidFill>
@@ -3766,7 +4472,7 @@
             </a:ln>
             <a:extLst>
               <a:ext uri="{91240B29-F687-4f45-9708-019B960494DF}">
-                <a14:hiddenLine xmlns:a14="http://schemas.microsoft.com/office/drawing/2010/main" xmlns="" w="9525">
+                <a14:hiddenLine xmlns="" xmlns:a14="http://schemas.microsoft.com/office/drawing/2010/main" w="9525">
                   <a:solidFill>
                     <a:srgbClr val="000000"/>
                   </a:solidFill>
@@ -3828,7 +4534,7 @@
             </a:ln>
             <a:extLst>
               <a:ext uri="{91240B29-F687-4f45-9708-019B960494DF}">
-                <a14:hiddenLine xmlns:a14="http://schemas.microsoft.com/office/drawing/2010/main" xmlns="" w="9525">
+                <a14:hiddenLine xmlns="" xmlns:a14="http://schemas.microsoft.com/office/drawing/2010/main" w="9525">
                   <a:solidFill>
                     <a:srgbClr val="000000"/>
                   </a:solidFill>
@@ -3890,7 +4596,7 @@
             </a:ln>
             <a:extLst>
               <a:ext uri="{91240B29-F687-4f45-9708-019B960494DF}">
-                <a14:hiddenLine xmlns:a14="http://schemas.microsoft.com/office/drawing/2010/main" xmlns="" w="9525">
+                <a14:hiddenLine xmlns="" xmlns:a14="http://schemas.microsoft.com/office/drawing/2010/main" w="9525">
                   <a:solidFill>
                     <a:srgbClr val="000000"/>
                   </a:solidFill>
@@ -3980,7 +4686,7 @@
             </a:ln>
             <a:extLst>
               <a:ext uri="{91240B29-F687-4f45-9708-019B960494DF}">
-                <a14:hiddenLine xmlns:a14="http://schemas.microsoft.com/office/drawing/2010/main" xmlns="" w="9525">
+                <a14:hiddenLine xmlns="" xmlns:a14="http://schemas.microsoft.com/office/drawing/2010/main" w="9525">
                   <a:solidFill>
                     <a:srgbClr val="000000"/>
                   </a:solidFill>
@@ -4070,7 +4776,7 @@
             </a:ln>
             <a:extLst>
               <a:ext uri="{91240B29-F687-4f45-9708-019B960494DF}">
-                <a14:hiddenLine xmlns:a14="http://schemas.microsoft.com/office/drawing/2010/main" xmlns="" w="9525">
+                <a14:hiddenLine xmlns="" xmlns:a14="http://schemas.microsoft.com/office/drawing/2010/main" w="9525">
                   <a:solidFill>
                     <a:srgbClr val="000000"/>
                   </a:solidFill>
@@ -4132,7 +4838,7 @@
             </a:ln>
             <a:extLst>
               <a:ext uri="{91240B29-F687-4f45-9708-019B960494DF}">
-                <a14:hiddenLine xmlns:a14="http://schemas.microsoft.com/office/drawing/2010/main" xmlns="" w="9525">
+                <a14:hiddenLine xmlns="" xmlns:a14="http://schemas.microsoft.com/office/drawing/2010/main" w="9525">
                   <a:solidFill>
                     <a:srgbClr val="000000"/>
                   </a:solidFill>
@@ -4242,7 +4948,7 @@
             </a:ln>
             <a:extLst>
               <a:ext uri="{91240B29-F687-4f45-9708-019B960494DF}">
-                <a14:hiddenLine xmlns:a14="http://schemas.microsoft.com/office/drawing/2010/main" xmlns="" w="9525">
+                <a14:hiddenLine xmlns="" xmlns:a14="http://schemas.microsoft.com/office/drawing/2010/main" w="9525">
                   <a:solidFill>
                     <a:srgbClr val="000000"/>
                   </a:solidFill>
@@ -4304,7 +5010,7 @@
             </a:ln>
             <a:extLst>
               <a:ext uri="{91240B29-F687-4f45-9708-019B960494DF}">
-                <a14:hiddenLine xmlns:a14="http://schemas.microsoft.com/office/drawing/2010/main" xmlns="" w="9525">
+                <a14:hiddenLine xmlns="" xmlns:a14="http://schemas.microsoft.com/office/drawing/2010/main" w="9525">
                   <a:solidFill>
                     <a:srgbClr val="000000"/>
                   </a:solidFill>
@@ -4394,7 +5100,7 @@
             </a:ln>
             <a:extLst>
               <a:ext uri="{91240B29-F687-4f45-9708-019B960494DF}">
-                <a14:hiddenLine xmlns:a14="http://schemas.microsoft.com/office/drawing/2010/main" xmlns="" w="9525">
+                <a14:hiddenLine xmlns="" xmlns:a14="http://schemas.microsoft.com/office/drawing/2010/main" w="9525">
                   <a:solidFill>
                     <a:srgbClr val="000000"/>
                   </a:solidFill>
@@ -4484,7 +5190,7 @@
             </a:ln>
             <a:extLst>
               <a:ext uri="{91240B29-F687-4f45-9708-019B960494DF}">
-                <a14:hiddenLine xmlns:a14="http://schemas.microsoft.com/office/drawing/2010/main" xmlns="" w="9525">
+                <a14:hiddenLine xmlns="" xmlns:a14="http://schemas.microsoft.com/office/drawing/2010/main" w="9525">
                   <a:solidFill>
                     <a:srgbClr val="000000"/>
                   </a:solidFill>
@@ -4546,7 +5252,7 @@
             </a:ln>
             <a:extLst>
               <a:ext uri="{91240B29-F687-4f45-9708-019B960494DF}">
-                <a14:hiddenLine xmlns:a14="http://schemas.microsoft.com/office/drawing/2010/main" xmlns="" w="9525">
+                <a14:hiddenLine xmlns="" xmlns:a14="http://schemas.microsoft.com/office/drawing/2010/main" w="9525">
                   <a:solidFill>
                     <a:srgbClr val="000000"/>
                   </a:solidFill>
@@ -4636,7 +5342,7 @@
             </a:ln>
             <a:extLst>
               <a:ext uri="{91240B29-F687-4f45-9708-019B960494DF}">
-                <a14:hiddenLine xmlns:a14="http://schemas.microsoft.com/office/drawing/2010/main" xmlns="" w="9525">
+                <a14:hiddenLine xmlns="" xmlns:a14="http://schemas.microsoft.com/office/drawing/2010/main" w="9525">
                   <a:solidFill>
                     <a:srgbClr val="000000"/>
                   </a:solidFill>
@@ -4726,7 +5432,7 @@
             </a:ln>
             <a:extLst>
               <a:ext uri="{91240B29-F687-4f45-9708-019B960494DF}">
-                <a14:hiddenLine xmlns:a14="http://schemas.microsoft.com/office/drawing/2010/main" xmlns="" w="9525">
+                <a14:hiddenLine xmlns="" xmlns:a14="http://schemas.microsoft.com/office/drawing/2010/main" w="9525">
                   <a:solidFill>
                     <a:srgbClr val="000000"/>
                   </a:solidFill>
@@ -4782,7 +5488,7 @@
             </a:ln>
             <a:extLst>
               <a:ext uri="{91240B29-F687-4f45-9708-019B960494DF}">
-                <a14:hiddenLine xmlns:a14="http://schemas.microsoft.com/office/drawing/2010/main" xmlns="" w="9525">
+                <a14:hiddenLine xmlns="" xmlns:a14="http://schemas.microsoft.com/office/drawing/2010/main" w="9525">
                   <a:solidFill>
                     <a:srgbClr val="000000"/>
                   </a:solidFill>
@@ -4872,7 +5578,7 @@
             </a:ln>
             <a:extLst>
               <a:ext uri="{91240B29-F687-4f45-9708-019B960494DF}">
-                <a14:hiddenLine xmlns:a14="http://schemas.microsoft.com/office/drawing/2010/main" xmlns="" w="9525">
+                <a14:hiddenLine xmlns="" xmlns:a14="http://schemas.microsoft.com/office/drawing/2010/main" w="9525">
                   <a:solidFill>
                     <a:srgbClr val="000000"/>
                   </a:solidFill>
@@ -4928,7 +5634,7 @@
             </a:ln>
             <a:extLst>
               <a:ext uri="{91240B29-F687-4f45-9708-019B960494DF}">
-                <a14:hiddenLine xmlns:a14="http://schemas.microsoft.com/office/drawing/2010/main" xmlns="" w="9525">
+                <a14:hiddenLine xmlns="" xmlns:a14="http://schemas.microsoft.com/office/drawing/2010/main" w="9525">
                   <a:solidFill>
                     <a:srgbClr val="000000"/>
                   </a:solidFill>
@@ -5018,7 +5724,7 @@
             </a:ln>
             <a:extLst>
               <a:ext uri="{91240B29-F687-4f45-9708-019B960494DF}">
-                <a14:hiddenLine xmlns:a14="http://schemas.microsoft.com/office/drawing/2010/main" xmlns="" w="9525">
+                <a14:hiddenLine xmlns="" xmlns:a14="http://schemas.microsoft.com/office/drawing/2010/main" w="9525">
                   <a:solidFill>
                     <a:srgbClr val="000000"/>
                   </a:solidFill>
@@ -5086,7 +5792,7 @@
             </a:ln>
             <a:extLst>
               <a:ext uri="{91240B29-F687-4f45-9708-019B960494DF}">
-                <a14:hiddenLine xmlns:a14="http://schemas.microsoft.com/office/drawing/2010/main" xmlns="" w="9525">
+                <a14:hiddenLine xmlns="" xmlns:a14="http://schemas.microsoft.com/office/drawing/2010/main" w="9525">
                   <a:solidFill>
                     <a:srgbClr val="000000"/>
                   </a:solidFill>
@@ -5176,7 +5882,7 @@
             </a:ln>
             <a:extLst>
               <a:ext uri="{91240B29-F687-4f45-9708-019B960494DF}">
-                <a14:hiddenLine xmlns:a14="http://schemas.microsoft.com/office/drawing/2010/main" xmlns="" w="9525">
+                <a14:hiddenLine xmlns="" xmlns:a14="http://schemas.microsoft.com/office/drawing/2010/main" w="9525">
                   <a:solidFill>
                     <a:srgbClr val="000000"/>
                   </a:solidFill>
@@ -5244,7 +5950,7 @@
             </a:ln>
             <a:extLst>
               <a:ext uri="{91240B29-F687-4f45-9708-019B960494DF}">
-                <a14:hiddenLine xmlns:a14="http://schemas.microsoft.com/office/drawing/2010/main" xmlns="" w="9525">
+                <a14:hiddenLine xmlns="" xmlns:a14="http://schemas.microsoft.com/office/drawing/2010/main" w="9525">
                   <a:solidFill>
                     <a:srgbClr val="000000"/>
                   </a:solidFill>
@@ -5334,7 +6040,7 @@
             </a:ln>
             <a:extLst>
               <a:ext uri="{91240B29-F687-4f45-9708-019B960494DF}">
-                <a14:hiddenLine xmlns:a14="http://schemas.microsoft.com/office/drawing/2010/main" xmlns="" w="9525">
+                <a14:hiddenLine xmlns="" xmlns:a14="http://schemas.microsoft.com/office/drawing/2010/main" w="9525">
                   <a:solidFill>
                     <a:srgbClr val="000000"/>
                   </a:solidFill>
@@ -5368,7 +6074,7 @@
             </a:ln>
             <a:extLst>
               <a:ext uri="{91240B29-F687-4f45-9708-019B960494DF}">
-                <a14:hiddenLine xmlns:a14="http://schemas.microsoft.com/office/drawing/2010/main" xmlns="" w="9525">
+                <a14:hiddenLine xmlns="" xmlns:a14="http://schemas.microsoft.com/office/drawing/2010/main" w="9525">
                   <a:solidFill>
                     <a:srgbClr val="000000"/>
                   </a:solidFill>
@@ -5458,7 +6164,7 @@
             </a:ln>
             <a:extLst>
               <a:ext uri="{91240B29-F687-4f45-9708-019B960494DF}">
-                <a14:hiddenLine xmlns:a14="http://schemas.microsoft.com/office/drawing/2010/main" xmlns="" w="9525">
+                <a14:hiddenLine xmlns="" xmlns:a14="http://schemas.microsoft.com/office/drawing/2010/main" w="9525">
                   <a:solidFill>
                     <a:srgbClr val="000000"/>
                   </a:solidFill>
@@ -5520,7 +6226,7 @@
             </a:ln>
             <a:extLst>
               <a:ext uri="{91240B29-F687-4f45-9708-019B960494DF}">
-                <a14:hiddenLine xmlns:a14="http://schemas.microsoft.com/office/drawing/2010/main" xmlns="" w="9525">
+                <a14:hiddenLine xmlns="" xmlns:a14="http://schemas.microsoft.com/office/drawing/2010/main" w="9525">
                   <a:solidFill>
                     <a:srgbClr val="000000"/>
                   </a:solidFill>
@@ -5582,7 +6288,7 @@
             </a:ln>
             <a:extLst>
               <a:ext uri="{91240B29-F687-4f45-9708-019B960494DF}">
-                <a14:hiddenLine xmlns:a14="http://schemas.microsoft.com/office/drawing/2010/main" xmlns="" w="9525">
+                <a14:hiddenLine xmlns="" xmlns:a14="http://schemas.microsoft.com/office/drawing/2010/main" w="9525">
                   <a:solidFill>
                     <a:srgbClr val="000000"/>
                   </a:solidFill>
@@ -5672,7 +6378,7 @@
             </a:ln>
             <a:extLst>
               <a:ext uri="{91240B29-F687-4f45-9708-019B960494DF}">
-                <a14:hiddenLine xmlns:a14="http://schemas.microsoft.com/office/drawing/2010/main" xmlns="" w="9525">
+                <a14:hiddenLine xmlns="" xmlns:a14="http://schemas.microsoft.com/office/drawing/2010/main" w="9525">
                   <a:solidFill>
                     <a:srgbClr val="000000"/>
                   </a:solidFill>
@@ -5740,7 +6446,7 @@
             </a:ln>
             <a:extLst>
               <a:ext uri="{91240B29-F687-4f45-9708-019B960494DF}">
-                <a14:hiddenLine xmlns:a14="http://schemas.microsoft.com/office/drawing/2010/main" xmlns="" w="9525">
+                <a14:hiddenLine xmlns="" xmlns:a14="http://schemas.microsoft.com/office/drawing/2010/main" w="9525">
                   <a:solidFill>
                     <a:srgbClr val="000000"/>
                   </a:solidFill>
@@ -5802,7 +6508,7 @@
             </a:ln>
             <a:extLst>
               <a:ext uri="{91240B29-F687-4f45-9708-019B960494DF}">
-                <a14:hiddenLine xmlns:a14="http://schemas.microsoft.com/office/drawing/2010/main" xmlns="" w="9525">
+                <a14:hiddenLine xmlns="" xmlns:a14="http://schemas.microsoft.com/office/drawing/2010/main" w="9525">
                   <a:solidFill>
                     <a:srgbClr val="000000"/>
                   </a:solidFill>
@@ -5892,7 +6598,7 @@
             </a:ln>
             <a:extLst>
               <a:ext uri="{91240B29-F687-4f45-9708-019B960494DF}">
-                <a14:hiddenLine xmlns:a14="http://schemas.microsoft.com/office/drawing/2010/main" xmlns="" w="9525">
+                <a14:hiddenLine xmlns="" xmlns:a14="http://schemas.microsoft.com/office/drawing/2010/main" w="9525">
                   <a:solidFill>
                     <a:srgbClr val="000000"/>
                   </a:solidFill>
@@ -5954,7 +6660,7 @@
             </a:ln>
             <a:extLst>
               <a:ext uri="{91240B29-F687-4f45-9708-019B960494DF}">
-                <a14:hiddenLine xmlns:a14="http://schemas.microsoft.com/office/drawing/2010/main" xmlns="" w="9525">
+                <a14:hiddenLine xmlns="" xmlns:a14="http://schemas.microsoft.com/office/drawing/2010/main" w="9525">
                   <a:solidFill>
                     <a:srgbClr val="000000"/>
                   </a:solidFill>
@@ -6044,7 +6750,7 @@
             </a:ln>
             <a:extLst>
               <a:ext uri="{91240B29-F687-4f45-9708-019B960494DF}">
-                <a14:hiddenLine xmlns:a14="http://schemas.microsoft.com/office/drawing/2010/main" xmlns="" w="9525">
+                <a14:hiddenLine xmlns="" xmlns:a14="http://schemas.microsoft.com/office/drawing/2010/main" w="9525">
                   <a:solidFill>
                     <a:srgbClr val="000000"/>
                   </a:solidFill>
@@ -6106,7 +6812,7 @@
             </a:ln>
             <a:extLst>
               <a:ext uri="{91240B29-F687-4f45-9708-019B960494DF}">
-                <a14:hiddenLine xmlns:a14="http://schemas.microsoft.com/office/drawing/2010/main" xmlns="" w="9525">
+                <a14:hiddenLine xmlns="" xmlns:a14="http://schemas.microsoft.com/office/drawing/2010/main" w="9525">
                   <a:solidFill>
                     <a:srgbClr val="000000"/>
                   </a:solidFill>
@@ -6196,7 +6902,7 @@
             </a:ln>
             <a:extLst>
               <a:ext uri="{91240B29-F687-4f45-9708-019B960494DF}">
-                <a14:hiddenLine xmlns:a14="http://schemas.microsoft.com/office/drawing/2010/main" xmlns="" w="9525">
+                <a14:hiddenLine xmlns="" xmlns:a14="http://schemas.microsoft.com/office/drawing/2010/main" w="9525">
                   <a:solidFill>
                     <a:srgbClr val="000000"/>
                   </a:solidFill>
@@ -6230,7 +6936,7 @@
             </a:ln>
             <a:extLst>
               <a:ext uri="{91240B29-F687-4f45-9708-019B960494DF}">
-                <a14:hiddenLine xmlns:a14="http://schemas.microsoft.com/office/drawing/2010/main" xmlns="" w="9525">
+                <a14:hiddenLine xmlns="" xmlns:a14="http://schemas.microsoft.com/office/drawing/2010/main" w="9525">
                   <a:solidFill>
                     <a:srgbClr val="000000"/>
                   </a:solidFill>
@@ -6295,7 +7001,7 @@
             </a:ln>
             <a:extLst>
               <a:ext uri="{91240B29-F687-4f45-9708-019B960494DF}">
-                <a14:hiddenLine xmlns:a14="http://schemas.microsoft.com/office/drawing/2010/main" xmlns="" w="9525">
+                <a14:hiddenLine xmlns="" xmlns:a14="http://schemas.microsoft.com/office/drawing/2010/main" w="9525">
                   <a:solidFill>
                     <a:srgbClr val="000000"/>
                   </a:solidFill>
@@ -6385,7 +7091,7 @@
             </a:ln>
             <a:extLst>
               <a:ext uri="{91240B29-F687-4f45-9708-019B960494DF}">
-                <a14:hiddenLine xmlns:a14="http://schemas.microsoft.com/office/drawing/2010/main" xmlns="" w="9525">
+                <a14:hiddenLine xmlns="" xmlns:a14="http://schemas.microsoft.com/office/drawing/2010/main" w="9525">
                   <a:solidFill>
                     <a:srgbClr val="000000"/>
                   </a:solidFill>
@@ -6447,7 +7153,7 @@
             </a:ln>
             <a:extLst>
               <a:ext uri="{91240B29-F687-4f45-9708-019B960494DF}">
-                <a14:hiddenLine xmlns:a14="http://schemas.microsoft.com/office/drawing/2010/main" xmlns="" w="9525">
+                <a14:hiddenLine xmlns="" xmlns:a14="http://schemas.microsoft.com/office/drawing/2010/main" w="9525">
                   <a:solidFill>
                     <a:srgbClr val="000000"/>
                   </a:solidFill>
@@ -6537,7 +7243,7 @@
             </a:ln>
             <a:extLst>
               <a:ext uri="{91240B29-F687-4f45-9708-019B960494DF}">
-                <a14:hiddenLine xmlns:a14="http://schemas.microsoft.com/office/drawing/2010/main" xmlns="" w="9525">
+                <a14:hiddenLine xmlns="" xmlns:a14="http://schemas.microsoft.com/office/drawing/2010/main" w="9525">
                   <a:solidFill>
                     <a:srgbClr val="000000"/>
                   </a:solidFill>
@@ -6627,7 +7333,7 @@
             </a:ln>
             <a:extLst>
               <a:ext uri="{91240B29-F687-4f45-9708-019B960494DF}">
-                <a14:hiddenLine xmlns:a14="http://schemas.microsoft.com/office/drawing/2010/main" xmlns="" w="9525">
+                <a14:hiddenLine xmlns="" xmlns:a14="http://schemas.microsoft.com/office/drawing/2010/main" w="9525">
                   <a:solidFill>
                     <a:srgbClr val="000000"/>
                   </a:solidFill>
@@ -6692,7 +7398,7 @@
             </a:ln>
             <a:extLst>
               <a:ext uri="{91240B29-F687-4f45-9708-019B960494DF}">
-                <a14:hiddenLine xmlns:a14="http://schemas.microsoft.com/office/drawing/2010/main" xmlns="" w="9525">
+                <a14:hiddenLine xmlns="" xmlns:a14="http://schemas.microsoft.com/office/drawing/2010/main" w="9525">
                   <a:solidFill>
                     <a:srgbClr val="000000"/>
                   </a:solidFill>
@@ -6754,7 +7460,7 @@
             </a:ln>
             <a:extLst>
               <a:ext uri="{91240B29-F687-4f45-9708-019B960494DF}">
-                <a14:hiddenLine xmlns:a14="http://schemas.microsoft.com/office/drawing/2010/main" xmlns="" w="9525">
+                <a14:hiddenLine xmlns="" xmlns:a14="http://schemas.microsoft.com/office/drawing/2010/main" w="9525">
                   <a:solidFill>
                     <a:srgbClr val="000000"/>
                   </a:solidFill>
@@ -6844,7 +7550,7 @@
             </a:ln>
             <a:extLst>
               <a:ext uri="{91240B29-F687-4f45-9708-019B960494DF}">
-                <a14:hiddenLine xmlns:a14="http://schemas.microsoft.com/office/drawing/2010/main" xmlns="" w="9525">
+                <a14:hiddenLine xmlns="" xmlns:a14="http://schemas.microsoft.com/office/drawing/2010/main" w="9525">
                   <a:solidFill>
                     <a:srgbClr val="000000"/>
                   </a:solidFill>
@@ -6934,7 +7640,7 @@
             </a:ln>
             <a:extLst>
               <a:ext uri="{91240B29-F687-4f45-9708-019B960494DF}">
-                <a14:hiddenLine xmlns:a14="http://schemas.microsoft.com/office/drawing/2010/main" xmlns="" w="9525">
+                <a14:hiddenLine xmlns="" xmlns:a14="http://schemas.microsoft.com/office/drawing/2010/main" w="9525">
                   <a:solidFill>
                     <a:srgbClr val="000000"/>
                   </a:solidFill>
@@ -6996,7 +7702,7 @@
             </a:ln>
             <a:extLst>
               <a:ext uri="{91240B29-F687-4f45-9708-019B960494DF}">
-                <a14:hiddenLine xmlns:a14="http://schemas.microsoft.com/office/drawing/2010/main" xmlns="" w="9525">
+                <a14:hiddenLine xmlns="" xmlns:a14="http://schemas.microsoft.com/office/drawing/2010/main" w="9525">
                   <a:solidFill>
                     <a:srgbClr val="000000"/>
                   </a:solidFill>
@@ -7116,7 +7822,7 @@
             </a:ln>
             <a:extLst>
               <a:ext uri="{91240B29-F687-4f45-9708-019B960494DF}">
-                <a14:hiddenLine xmlns:a14="http://schemas.microsoft.com/office/drawing/2010/main" xmlns="" w="9525">
+                <a14:hiddenLine xmlns="" xmlns:a14="http://schemas.microsoft.com/office/drawing/2010/main" w="9525">
                   <a:solidFill>
                     <a:srgbClr val="000000"/>
                   </a:solidFill>
@@ -7184,7 +7890,7 @@
             </a:ln>
             <a:extLst>
               <a:ext uri="{91240B29-F687-4f45-9708-019B960494DF}">
-                <a14:hiddenLine xmlns:a14="http://schemas.microsoft.com/office/drawing/2010/main" xmlns="" w="9525">
+                <a14:hiddenLine xmlns="" xmlns:a14="http://schemas.microsoft.com/office/drawing/2010/main" w="9525">
                   <a:solidFill>
                     <a:srgbClr val="000000"/>
                   </a:solidFill>
@@ -7274,7 +7980,7 @@
             </a:ln>
             <a:extLst>
               <a:ext uri="{91240B29-F687-4f45-9708-019B960494DF}">
-                <a14:hiddenLine xmlns:a14="http://schemas.microsoft.com/office/drawing/2010/main" xmlns="" w="9525">
+                <a14:hiddenLine xmlns="" xmlns:a14="http://schemas.microsoft.com/office/drawing/2010/main" w="9525">
                   <a:solidFill>
                     <a:srgbClr val="000000"/>
                   </a:solidFill>
@@ -7414,7 +8120,7 @@
           <a:p>
             <a:fld id="{48A87A34-81AB-432B-8DAE-1953F412C126}" type="datetimeFigureOut">
               <a:rPr lang="en-US" dirty="0"/>
-              <a:t>1/2/2019</a:t>
+              <a:t>1/10/2019</a:t>
             </a:fld>
             <a:endParaRPr lang="en-US" dirty="0"/>
           </a:p>
@@ -7676,7 +8382,7 @@
           <a:p>
             <a:fld id="{48A87A34-81AB-432B-8DAE-1953F412C126}" type="datetimeFigureOut">
               <a:rPr lang="en-US" dirty="0"/>
-              <a:t>1/2/2019</a:t>
+              <a:t>1/10/2019</a:t>
             </a:fld>
             <a:endParaRPr lang="en-US" dirty="0"/>
           </a:p>
@@ -7867,7 +8573,7 @@
           <a:p>
             <a:fld id="{48A87A34-81AB-432B-8DAE-1953F412C126}" type="datetimeFigureOut">
               <a:rPr lang="en-US" dirty="0"/>
-              <a:t>1/2/2019</a:t>
+              <a:t>1/10/2019</a:t>
             </a:fld>
             <a:endParaRPr lang="en-US" dirty="0"/>
           </a:p>
@@ -8125,7 +8831,7 @@
           <a:p>
             <a:fld id="{48A87A34-81AB-432B-8DAE-1953F412C126}" type="datetimeFigureOut">
               <a:rPr lang="en-US" dirty="0"/>
-              <a:t>1/2/2019</a:t>
+              <a:t>1/10/2019</a:t>
             </a:fld>
             <a:endParaRPr lang="en-US" dirty="0"/>
           </a:p>
@@ -8554,7 +9260,7 @@
           <a:p>
             <a:fld id="{48A87A34-81AB-432B-8DAE-1953F412C126}" type="datetimeFigureOut">
               <a:rPr lang="en-US" dirty="0"/>
-              <a:t>1/2/2019</a:t>
+              <a:t>1/10/2019</a:t>
             </a:fld>
             <a:endParaRPr lang="en-US" dirty="0"/>
           </a:p>
@@ -9095,7 +9801,7 @@
           <a:p>
             <a:fld id="{48A87A34-81AB-432B-8DAE-1953F412C126}" type="datetimeFigureOut">
               <a:rPr lang="en-US" dirty="0"/>
-              <a:t>1/2/2019</a:t>
+              <a:t>1/10/2019</a:t>
             </a:fld>
             <a:endParaRPr lang="en-US" dirty="0"/>
           </a:p>
@@ -9810,7 +10516,7 @@
           <a:p>
             <a:fld id="{48A87A34-81AB-432B-8DAE-1953F412C126}" type="datetimeFigureOut">
               <a:rPr lang="en-US" dirty="0"/>
-              <a:t>1/2/2019</a:t>
+              <a:t>1/10/2019</a:t>
             </a:fld>
             <a:endParaRPr lang="en-US" dirty="0"/>
           </a:p>
@@ -9975,7 +10681,7 @@
           <a:p>
             <a:fld id="{48A87A34-81AB-432B-8DAE-1953F412C126}" type="datetimeFigureOut">
               <a:rPr lang="en-US" dirty="0"/>
-              <a:t>1/2/2019</a:t>
+              <a:t>1/10/2019</a:t>
             </a:fld>
             <a:endParaRPr lang="en-US" dirty="0"/>
           </a:p>
@@ -10150,7 +10856,7 @@
           <a:p>
             <a:fld id="{48A87A34-81AB-432B-8DAE-1953F412C126}" type="datetimeFigureOut">
               <a:rPr lang="en-US" dirty="0"/>
-              <a:t>1/2/2019</a:t>
+              <a:t>1/10/2019</a:t>
             </a:fld>
             <a:endParaRPr lang="en-US" dirty="0"/>
           </a:p>
@@ -10315,7 +11021,7 @@
           <a:p>
             <a:fld id="{48A87A34-81AB-432B-8DAE-1953F412C126}" type="datetimeFigureOut">
               <a:rPr lang="en-US" dirty="0"/>
-              <a:t>1/2/2019</a:t>
+              <a:t>1/10/2019</a:t>
             </a:fld>
             <a:endParaRPr lang="en-US" dirty="0"/>
           </a:p>
@@ -10560,7 +11266,7 @@
           <a:p>
             <a:fld id="{48A87A34-81AB-432B-8DAE-1953F412C126}" type="datetimeFigureOut">
               <a:rPr lang="en-US" dirty="0"/>
-              <a:t>1/2/2019</a:t>
+              <a:t>1/10/2019</a:t>
             </a:fld>
             <a:endParaRPr lang="en-US" dirty="0"/>
           </a:p>
@@ -10787,7 +11493,7 @@
           <a:p>
             <a:fld id="{48A87A34-81AB-432B-8DAE-1953F412C126}" type="datetimeFigureOut">
               <a:rPr lang="en-US" dirty="0"/>
-              <a:t>1/2/2019</a:t>
+              <a:t>1/10/2019</a:t>
             </a:fld>
             <a:endParaRPr lang="en-US" dirty="0"/>
           </a:p>
@@ -11163,7 +11869,7 @@
           <a:p>
             <a:fld id="{48A87A34-81AB-432B-8DAE-1953F412C126}" type="datetimeFigureOut">
               <a:rPr lang="en-US" dirty="0"/>
-              <a:t>1/2/2019</a:t>
+              <a:t>1/10/2019</a:t>
             </a:fld>
             <a:endParaRPr lang="en-US" dirty="0"/>
           </a:p>
@@ -11276,7 +11982,7 @@
           <a:p>
             <a:fld id="{48A87A34-81AB-432B-8DAE-1953F412C126}" type="datetimeFigureOut">
               <a:rPr lang="en-US" dirty="0"/>
-              <a:t>1/2/2019</a:t>
+              <a:t>1/10/2019</a:t>
             </a:fld>
             <a:endParaRPr lang="en-US" dirty="0"/>
           </a:p>
@@ -11366,7 +12072,7 @@
           <a:p>
             <a:fld id="{48A87A34-81AB-432B-8DAE-1953F412C126}" type="datetimeFigureOut">
               <a:rPr lang="en-US" dirty="0"/>
-              <a:t>1/2/2019</a:t>
+              <a:t>1/10/2019</a:t>
             </a:fld>
             <a:endParaRPr lang="en-US" dirty="0"/>
           </a:p>
@@ -11610,7 +12316,7 @@
           <a:p>
             <a:fld id="{48A87A34-81AB-432B-8DAE-1953F412C126}" type="datetimeFigureOut">
               <a:rPr lang="en-US" dirty="0"/>
-              <a:t>1/2/2019</a:t>
+              <a:t>1/10/2019</a:t>
             </a:fld>
             <a:endParaRPr lang="en-US" dirty="0"/>
           </a:p>
@@ -11885,7 +12591,7 @@
           <a:p>
             <a:fld id="{48A87A34-81AB-432B-8DAE-1953F412C126}" type="datetimeFigureOut">
               <a:rPr lang="en-US" dirty="0"/>
-              <a:t>1/2/2019</a:t>
+              <a:t>1/10/2019</a:t>
             </a:fld>
             <a:endParaRPr lang="en-US" dirty="0"/>
           </a:p>
@@ -12003,7 +12709,7 @@
           <a:noFill/>
           <a:extLst>
             <a:ext uri="{909E8E84-426E-40dd-AFC4-6F175D3DCCD1}">
-              <a14:hiddenFill xmlns:a14="http://schemas.microsoft.com/office/drawing/2010/main" xmlns="">
+              <a14:hiddenFill xmlns="" xmlns:a14="http://schemas.microsoft.com/office/drawing/2010/main">
                 <a:solidFill>
                   <a:srgbClr val="FFFFFF"/>
                 </a:solidFill>
@@ -12077,7 +12783,7 @@
               </a:ln>
               <a:extLst>
                 <a:ext uri="{91240B29-F687-4f45-9708-019B960494DF}">
-                  <a14:hiddenLine xmlns:a14="http://schemas.microsoft.com/office/drawing/2010/main" xmlns="" w="9525">
+                  <a14:hiddenLine xmlns="" xmlns:a14="http://schemas.microsoft.com/office/drawing/2010/main" w="9525">
                     <a:solidFill>
                       <a:srgbClr val="000000"/>
                     </a:solidFill>
@@ -12167,7 +12873,7 @@
               </a:ln>
               <a:extLst>
                 <a:ext uri="{91240B29-F687-4f45-9708-019B960494DF}">
-                  <a14:hiddenLine xmlns:a14="http://schemas.microsoft.com/office/drawing/2010/main" xmlns="" w="9525">
+                  <a14:hiddenLine xmlns="" xmlns:a14="http://schemas.microsoft.com/office/drawing/2010/main" w="9525">
                     <a:solidFill>
                       <a:srgbClr val="000000"/>
                     </a:solidFill>
@@ -12257,7 +12963,7 @@
               </a:ln>
               <a:extLst>
                 <a:ext uri="{91240B29-F687-4f45-9708-019B960494DF}">
-                  <a14:hiddenLine xmlns:a14="http://schemas.microsoft.com/office/drawing/2010/main" xmlns="" w="9525">
+                  <a14:hiddenLine xmlns="" xmlns:a14="http://schemas.microsoft.com/office/drawing/2010/main" w="9525">
                     <a:solidFill>
                       <a:srgbClr val="000000"/>
                     </a:solidFill>
@@ -12319,7 +13025,7 @@
               </a:ln>
               <a:extLst>
                 <a:ext uri="{91240B29-F687-4f45-9708-019B960494DF}">
-                  <a14:hiddenLine xmlns:a14="http://schemas.microsoft.com/office/drawing/2010/main" xmlns="" w="9525">
+                  <a14:hiddenLine xmlns="" xmlns:a14="http://schemas.microsoft.com/office/drawing/2010/main" w="9525">
                     <a:solidFill>
                       <a:srgbClr val="000000"/>
                     </a:solidFill>
@@ -12409,7 +13115,7 @@
               </a:ln>
               <a:extLst>
                 <a:ext uri="{91240B29-F687-4f45-9708-019B960494DF}">
-                  <a14:hiddenLine xmlns:a14="http://schemas.microsoft.com/office/drawing/2010/main" xmlns="" w="9525">
+                  <a14:hiddenLine xmlns="" xmlns:a14="http://schemas.microsoft.com/office/drawing/2010/main" w="9525">
                     <a:solidFill>
                       <a:srgbClr val="000000"/>
                     </a:solidFill>
@@ -12471,7 +13177,7 @@
               </a:ln>
               <a:extLst>
                 <a:ext uri="{91240B29-F687-4f45-9708-019B960494DF}">
-                  <a14:hiddenLine xmlns:a14="http://schemas.microsoft.com/office/drawing/2010/main" xmlns="" w="9525">
+                  <a14:hiddenLine xmlns="" xmlns:a14="http://schemas.microsoft.com/office/drawing/2010/main" w="9525">
                     <a:solidFill>
                       <a:srgbClr val="000000"/>
                     </a:solidFill>
@@ -12533,7 +13239,7 @@
               </a:ln>
               <a:extLst>
                 <a:ext uri="{91240B29-F687-4f45-9708-019B960494DF}">
-                  <a14:hiddenLine xmlns:a14="http://schemas.microsoft.com/office/drawing/2010/main" xmlns="" w="9525">
+                  <a14:hiddenLine xmlns="" xmlns:a14="http://schemas.microsoft.com/office/drawing/2010/main" w="9525">
                     <a:solidFill>
                       <a:srgbClr val="000000"/>
                     </a:solidFill>
@@ -12623,7 +13329,7 @@
               </a:ln>
               <a:extLst>
                 <a:ext uri="{91240B29-F687-4f45-9708-019B960494DF}">
-                  <a14:hiddenLine xmlns:a14="http://schemas.microsoft.com/office/drawing/2010/main" xmlns="" w="9525">
+                  <a14:hiddenLine xmlns="" xmlns:a14="http://schemas.microsoft.com/office/drawing/2010/main" w="9525">
                     <a:solidFill>
                       <a:srgbClr val="000000"/>
                     </a:solidFill>
@@ -12713,7 +13419,7 @@
               </a:ln>
               <a:extLst>
                 <a:ext uri="{91240B29-F687-4f45-9708-019B960494DF}">
-                  <a14:hiddenLine xmlns:a14="http://schemas.microsoft.com/office/drawing/2010/main" xmlns="" w="9525">
+                  <a14:hiddenLine xmlns="" xmlns:a14="http://schemas.microsoft.com/office/drawing/2010/main" w="9525">
                     <a:solidFill>
                       <a:srgbClr val="000000"/>
                     </a:solidFill>
@@ -12775,7 +13481,7 @@
               </a:ln>
               <a:extLst>
                 <a:ext uri="{91240B29-F687-4f45-9708-019B960494DF}">
-                  <a14:hiddenLine xmlns:a14="http://schemas.microsoft.com/office/drawing/2010/main" xmlns="" w="9525">
+                  <a14:hiddenLine xmlns="" xmlns:a14="http://schemas.microsoft.com/office/drawing/2010/main" w="9525">
                     <a:solidFill>
                       <a:srgbClr val="000000"/>
                     </a:solidFill>
@@ -12885,7 +13591,7 @@
               </a:ln>
               <a:extLst>
                 <a:ext uri="{91240B29-F687-4f45-9708-019B960494DF}">
-                  <a14:hiddenLine xmlns:a14="http://schemas.microsoft.com/office/drawing/2010/main" xmlns="" w="9525">
+                  <a14:hiddenLine xmlns="" xmlns:a14="http://schemas.microsoft.com/office/drawing/2010/main" w="9525">
                     <a:solidFill>
                       <a:srgbClr val="000000"/>
                     </a:solidFill>
@@ -12969,7 +13675,7 @@
               </a:ln>
               <a:extLst>
                 <a:ext uri="{91240B29-F687-4f45-9708-019B960494DF}">
-                  <a14:hiddenLine xmlns:a14="http://schemas.microsoft.com/office/drawing/2010/main" xmlns="" w="9525">
+                  <a14:hiddenLine xmlns="" xmlns:a14="http://schemas.microsoft.com/office/drawing/2010/main" w="9525">
                     <a:solidFill>
                       <a:srgbClr val="000000"/>
                     </a:solidFill>
@@ -13031,7 +13737,7 @@
               </a:ln>
               <a:extLst>
                 <a:ext uri="{91240B29-F687-4f45-9708-019B960494DF}">
-                  <a14:hiddenLine xmlns:a14="http://schemas.microsoft.com/office/drawing/2010/main" xmlns="" w="9525">
+                  <a14:hiddenLine xmlns="" xmlns:a14="http://schemas.microsoft.com/office/drawing/2010/main" w="9525">
                     <a:solidFill>
                       <a:srgbClr val="000000"/>
                     </a:solidFill>
@@ -13093,7 +13799,7 @@
               </a:ln>
               <a:extLst>
                 <a:ext uri="{91240B29-F687-4f45-9708-019B960494DF}">
-                  <a14:hiddenLine xmlns:a14="http://schemas.microsoft.com/office/drawing/2010/main" xmlns="" w="9525">
+                  <a14:hiddenLine xmlns="" xmlns:a14="http://schemas.microsoft.com/office/drawing/2010/main" w="9525">
                     <a:solidFill>
                       <a:srgbClr val="000000"/>
                     </a:solidFill>
@@ -13183,7 +13889,7 @@
               </a:ln>
               <a:extLst>
                 <a:ext uri="{91240B29-F687-4f45-9708-019B960494DF}">
-                  <a14:hiddenLine xmlns:a14="http://schemas.microsoft.com/office/drawing/2010/main" xmlns="" w="9525">
+                  <a14:hiddenLine xmlns="" xmlns:a14="http://schemas.microsoft.com/office/drawing/2010/main" w="9525">
                     <a:solidFill>
                       <a:srgbClr val="000000"/>
                     </a:solidFill>
@@ -13217,7 +13923,7 @@
               </a:ln>
               <a:extLst>
                 <a:ext uri="{91240B29-F687-4f45-9708-019B960494DF}">
-                  <a14:hiddenLine xmlns:a14="http://schemas.microsoft.com/office/drawing/2010/main" xmlns="" w="9525">
+                  <a14:hiddenLine xmlns="" xmlns:a14="http://schemas.microsoft.com/office/drawing/2010/main" w="9525">
                     <a:solidFill>
                       <a:srgbClr val="000000"/>
                     </a:solidFill>
@@ -13282,7 +13988,7 @@
               </a:ln>
               <a:extLst>
                 <a:ext uri="{91240B29-F687-4f45-9708-019B960494DF}">
-                  <a14:hiddenLine xmlns:a14="http://schemas.microsoft.com/office/drawing/2010/main" xmlns="" w="9525">
+                  <a14:hiddenLine xmlns="" xmlns:a14="http://schemas.microsoft.com/office/drawing/2010/main" w="9525">
                     <a:solidFill>
                       <a:srgbClr val="000000"/>
                     </a:solidFill>
@@ -13372,7 +14078,7 @@
               </a:ln>
               <a:extLst>
                 <a:ext uri="{91240B29-F687-4f45-9708-019B960494DF}">
-                  <a14:hiddenLine xmlns:a14="http://schemas.microsoft.com/office/drawing/2010/main" xmlns="" w="9525">
+                  <a14:hiddenLine xmlns="" xmlns:a14="http://schemas.microsoft.com/office/drawing/2010/main" w="9525">
                     <a:solidFill>
                       <a:srgbClr val="000000"/>
                     </a:solidFill>
@@ -13434,7 +14140,7 @@
               </a:ln>
               <a:extLst>
                 <a:ext uri="{91240B29-F687-4f45-9708-019B960494DF}">
-                  <a14:hiddenLine xmlns:a14="http://schemas.microsoft.com/office/drawing/2010/main" xmlns="" w="9525">
+                  <a14:hiddenLine xmlns="" xmlns:a14="http://schemas.microsoft.com/office/drawing/2010/main" w="9525">
                     <a:solidFill>
                       <a:srgbClr val="000000"/>
                     </a:solidFill>
@@ -13524,7 +14230,7 @@
               </a:ln>
               <a:extLst>
                 <a:ext uri="{91240B29-F687-4f45-9708-019B960494DF}">
-                  <a14:hiddenLine xmlns:a14="http://schemas.microsoft.com/office/drawing/2010/main" xmlns="" w="9525">
+                  <a14:hiddenLine xmlns="" xmlns:a14="http://schemas.microsoft.com/office/drawing/2010/main" w="9525">
                     <a:solidFill>
                       <a:srgbClr val="000000"/>
                     </a:solidFill>
@@ -13589,7 +14295,7 @@
               </a:ln>
               <a:extLst>
                 <a:ext uri="{91240B29-F687-4f45-9708-019B960494DF}">
-                  <a14:hiddenLine xmlns:a14="http://schemas.microsoft.com/office/drawing/2010/main" xmlns="" w="9525">
+                  <a14:hiddenLine xmlns="" xmlns:a14="http://schemas.microsoft.com/office/drawing/2010/main" w="9525">
                     <a:solidFill>
                       <a:srgbClr val="000000"/>
                     </a:solidFill>
@@ -13651,7 +14357,7 @@
               </a:ln>
               <a:extLst>
                 <a:ext uri="{91240B29-F687-4f45-9708-019B960494DF}">
-                  <a14:hiddenLine xmlns:a14="http://schemas.microsoft.com/office/drawing/2010/main" xmlns="" w="9525">
+                  <a14:hiddenLine xmlns="" xmlns:a14="http://schemas.microsoft.com/office/drawing/2010/main" w="9525">
                     <a:solidFill>
                       <a:srgbClr val="000000"/>
                     </a:solidFill>
@@ -13741,7 +14447,7 @@
               </a:ln>
               <a:extLst>
                 <a:ext uri="{91240B29-F687-4f45-9708-019B960494DF}">
-                  <a14:hiddenLine xmlns:a14="http://schemas.microsoft.com/office/drawing/2010/main" xmlns="" w="9525">
+                  <a14:hiddenLine xmlns="" xmlns:a14="http://schemas.microsoft.com/office/drawing/2010/main" w="9525">
                     <a:solidFill>
                       <a:srgbClr val="000000"/>
                     </a:solidFill>
@@ -13831,7 +14537,7 @@
               </a:ln>
               <a:extLst>
                 <a:ext uri="{91240B29-F687-4f45-9708-019B960494DF}">
-                  <a14:hiddenLine xmlns:a14="http://schemas.microsoft.com/office/drawing/2010/main" xmlns="" w="9525">
+                  <a14:hiddenLine xmlns="" xmlns:a14="http://schemas.microsoft.com/office/drawing/2010/main" w="9525">
                     <a:solidFill>
                       <a:srgbClr val="000000"/>
                     </a:solidFill>
@@ -13896,7 +14602,7 @@
               </a:ln>
               <a:extLst>
                 <a:ext uri="{91240B29-F687-4f45-9708-019B960494DF}">
-                  <a14:hiddenLine xmlns:a14="http://schemas.microsoft.com/office/drawing/2010/main" xmlns="" w="9525">
+                  <a14:hiddenLine xmlns="" xmlns:a14="http://schemas.microsoft.com/office/drawing/2010/main" w="9525">
                     <a:solidFill>
                       <a:srgbClr val="000000"/>
                     </a:solidFill>
@@ -14016,7 +14722,7 @@
               </a:ln>
               <a:extLst>
                 <a:ext uri="{91240B29-F687-4f45-9708-019B960494DF}">
-                  <a14:hiddenLine xmlns:a14="http://schemas.microsoft.com/office/drawing/2010/main" xmlns="" w="9525">
+                  <a14:hiddenLine xmlns="" xmlns:a14="http://schemas.microsoft.com/office/drawing/2010/main" w="9525">
                     <a:solidFill>
                       <a:srgbClr val="000000"/>
                     </a:solidFill>
@@ -14097,7 +14803,7 @@
               </a:ln>
               <a:extLst>
                 <a:ext uri="{91240B29-F687-4f45-9708-019B960494DF}">
-                  <a14:hiddenLine xmlns:a14="http://schemas.microsoft.com/office/drawing/2010/main" xmlns="" w="9525">
+                  <a14:hiddenLine xmlns="" xmlns:a14="http://schemas.microsoft.com/office/drawing/2010/main" w="9525">
                     <a:solidFill>
                       <a:srgbClr val="000000"/>
                     </a:solidFill>
@@ -14212,7 +14918,7 @@
               </a:ln>
               <a:extLst>
                 <a:ext uri="{91240B29-F687-4f45-9708-019B960494DF}">
-                  <a14:hiddenLine xmlns:a14="http://schemas.microsoft.com/office/drawing/2010/main" xmlns="" w="9525">
+                  <a14:hiddenLine xmlns="" xmlns:a14="http://schemas.microsoft.com/office/drawing/2010/main" w="9525">
                     <a:solidFill>
                       <a:srgbClr val="000000"/>
                     </a:solidFill>
@@ -14302,7 +15008,7 @@
               </a:ln>
               <a:extLst>
                 <a:ext uri="{91240B29-F687-4f45-9708-019B960494DF}">
-                  <a14:hiddenLine xmlns:a14="http://schemas.microsoft.com/office/drawing/2010/main" xmlns="" w="9525">
+                  <a14:hiddenLine xmlns="" xmlns:a14="http://schemas.microsoft.com/office/drawing/2010/main" w="9525">
                     <a:solidFill>
                       <a:srgbClr val="000000"/>
                     </a:solidFill>
@@ -14367,7 +15073,7 @@
               </a:ln>
               <a:extLst>
                 <a:ext uri="{91240B29-F687-4f45-9708-019B960494DF}">
-                  <a14:hiddenLine xmlns:a14="http://schemas.microsoft.com/office/drawing/2010/main" xmlns="" w="9525">
+                  <a14:hiddenLine xmlns="" xmlns:a14="http://schemas.microsoft.com/office/drawing/2010/main" w="9525">
                     <a:solidFill>
                       <a:srgbClr val="000000"/>
                     </a:solidFill>
@@ -14457,7 +15163,7 @@
               </a:ln>
               <a:extLst>
                 <a:ext uri="{91240B29-F687-4f45-9708-019B960494DF}">
-                  <a14:hiddenLine xmlns:a14="http://schemas.microsoft.com/office/drawing/2010/main" xmlns="" w="9525">
+                  <a14:hiddenLine xmlns="" xmlns:a14="http://schemas.microsoft.com/office/drawing/2010/main" w="9525">
                     <a:solidFill>
                       <a:srgbClr val="000000"/>
                     </a:solidFill>
@@ -14525,7 +15231,7 @@
               </a:ln>
               <a:extLst>
                 <a:ext uri="{91240B29-F687-4f45-9708-019B960494DF}">
-                  <a14:hiddenLine xmlns:a14="http://schemas.microsoft.com/office/drawing/2010/main" xmlns="" w="9525">
+                  <a14:hiddenLine xmlns="" xmlns:a14="http://schemas.microsoft.com/office/drawing/2010/main" w="9525">
                     <a:solidFill>
                       <a:srgbClr val="000000"/>
                     </a:solidFill>
@@ -14615,7 +15321,7 @@
               </a:ln>
               <a:extLst>
                 <a:ext uri="{91240B29-F687-4f45-9708-019B960494DF}">
-                  <a14:hiddenLine xmlns:a14="http://schemas.microsoft.com/office/drawing/2010/main" xmlns="" w="9525">
+                  <a14:hiddenLine xmlns="" xmlns:a14="http://schemas.microsoft.com/office/drawing/2010/main" w="9525">
                     <a:solidFill>
                       <a:srgbClr val="000000"/>
                     </a:solidFill>
@@ -14683,7 +15389,7 @@
               </a:ln>
               <a:extLst>
                 <a:ext uri="{91240B29-F687-4f45-9708-019B960494DF}">
-                  <a14:hiddenLine xmlns:a14="http://schemas.microsoft.com/office/drawing/2010/main" xmlns="" w="9525">
+                  <a14:hiddenLine xmlns="" xmlns:a14="http://schemas.microsoft.com/office/drawing/2010/main" w="9525">
                     <a:solidFill>
                       <a:srgbClr val="000000"/>
                     </a:solidFill>
@@ -14773,7 +15479,7 @@
               </a:ln>
               <a:extLst>
                 <a:ext uri="{91240B29-F687-4f45-9708-019B960494DF}">
-                  <a14:hiddenLine xmlns:a14="http://schemas.microsoft.com/office/drawing/2010/main" xmlns="" w="9525">
+                  <a14:hiddenLine xmlns="" xmlns:a14="http://schemas.microsoft.com/office/drawing/2010/main" w="9525">
                     <a:solidFill>
                       <a:srgbClr val="000000"/>
                     </a:solidFill>
@@ -14807,7 +15513,7 @@
               </a:ln>
               <a:extLst>
                 <a:ext uri="{91240B29-F687-4f45-9708-019B960494DF}">
-                  <a14:hiddenLine xmlns:a14="http://schemas.microsoft.com/office/drawing/2010/main" xmlns="" w="9525">
+                  <a14:hiddenLine xmlns="" xmlns:a14="http://schemas.microsoft.com/office/drawing/2010/main" w="9525">
                     <a:solidFill>
                       <a:srgbClr val="000000"/>
                     </a:solidFill>
@@ -14948,7 +15654,7 @@
             <a:fld id="{48A87A34-81AB-432B-8DAE-1953F412C126}" type="datetimeFigureOut">
               <a:rPr lang="en-US" dirty="0"/>
               <a:pPr/>
-              <a:t>1/2/2019</a:t>
+              <a:t>1/10/2019</a:t>
             </a:fld>
             <a:endParaRPr lang="en-US" dirty="0"/>
           </a:p>
@@ -15432,6 +16138,13 @@
   <p:clrMapOvr>
     <a:masterClrMapping/>
   </p:clrMapOvr>
+  <p:timing>
+    <p:tnLst>
+      <p:par>
+        <p:cTn id="1" dur="indefinite" restart="never" nodeType="tmRoot"/>
+      </p:par>
+    </p:tnLst>
+  </p:timing>
 </p:sld>
 </file>
 
@@ -15529,11 +16242,18 @@
   <p:clrMapOvr>
     <a:masterClrMapping/>
   </p:clrMapOvr>
+  <p:timing>
+    <p:tnLst>
+      <p:par>
+        <p:cTn id="1" dur="indefinite" restart="never" nodeType="tmRoot"/>
+      </p:par>
+    </p:tnLst>
+  </p:timing>
 </p:sld>
 </file>
 
 <file path=ppt/slides/slide11.xml><?xml version="1.0" encoding="utf-8"?>
-<p:sld xmlns:a="http://schemas.openxmlformats.org/drawingml/2006/main" xmlns:r="http://schemas.openxmlformats.org/officeDocument/2006/relationships" xmlns:p="http://schemas.openxmlformats.org/presentationml/2006/main">
+<p:sld xmlns:a="http://schemas.openxmlformats.org/drawingml/2006/main" xmlns:r="http://schemas.openxmlformats.org/officeDocument/2006/relationships" xmlns:p="http://schemas.openxmlformats.org/presentationml/2006/main" show="0">
   <p:cSld>
     <p:spTree>
       <p:nvGrpSpPr>
@@ -15620,6 +16340,21 @@
   <p:clrMapOvr>
     <a:masterClrMapping/>
   </p:clrMapOvr>
+  <mc:AlternateContent xmlns:mc="http://schemas.openxmlformats.org/markup-compatibility/2006" xmlns:p14="http://schemas.microsoft.com/office/powerpoint/2010/main">
+    <mc:Choice Requires="p14">
+      <p:transition spd="slow" p14:dur="2000"/>
+    </mc:Choice>
+    <mc:Fallback xmlns="">
+      <p:transition spd="slow"/>
+    </mc:Fallback>
+  </mc:AlternateContent>
+  <p:timing>
+    <p:tnLst>
+      <p:par>
+        <p:cTn id="1" dur="indefinite" restart="never" nodeType="tmRoot"/>
+      </p:par>
+    </p:tnLst>
+  </p:timing>
 </p:sld>
 </file>
 
@@ -15684,25 +16419,7 @@
               <a:rPr lang="en-US" sz="2800" dirty="0">
                 <a:latin typeface="Consolas" panose="020B0609020204030204" pitchFamily="49" charset="0"/>
               </a:rPr>
-              <a:t>if</a:t>
-            </a:r>
-            <a:r>
-              <a:rPr lang="en-US" sz="2800" dirty="0">
-                <a:latin typeface="Consolas" panose="020B0609020204030204" pitchFamily="49" charset="0"/>
-              </a:rPr>
-              <a:t>/</a:t>
-            </a:r>
-            <a:r>
-              <a:rPr lang="en-US" sz="2800" dirty="0">
-                <a:latin typeface="Consolas" panose="020B0609020204030204" pitchFamily="49" charset="0"/>
-              </a:rPr>
-              <a:t>then</a:t>
-            </a:r>
-            <a:r>
-              <a:rPr lang="en-US" sz="2800" dirty="0">
-                <a:latin typeface="Consolas" panose="020B0609020204030204" pitchFamily="49" charset="0"/>
-              </a:rPr>
-              <a:t>/else</a:t>
+              <a:t>if/then/else</a:t>
             </a:r>
           </a:p>
           <a:p>
@@ -15752,6 +16469,13 @@
   <p:clrMapOvr>
     <a:masterClrMapping/>
   </p:clrMapOvr>
+  <p:timing>
+    <p:tnLst>
+      <p:par>
+        <p:cTn id="1" dur="indefinite" restart="never" nodeType="tmRoot"/>
+      </p:par>
+    </p:tnLst>
+  </p:timing>
 </p:sld>
 </file>
 
@@ -15789,7 +16513,7 @@
           <a:p>
             <a:r>
               <a:rPr lang="en-US" dirty="0" smtClean="0"/>
-              <a:t>Classes</a:t>
+              <a:t>Namespaces</a:t>
             </a:r>
             <a:endParaRPr lang="en-US" dirty="0"/>
           </a:p>
@@ -15812,31 +16536,20 @@
           <a:p>
             <a:r>
               <a:rPr lang="en-US" dirty="0" smtClean="0"/>
-              <a:t>Basis of Object Oriented Programming</a:t>
+              <a:t>Namespaces are used to organize methods and classes into logical groups</a:t>
             </a:r>
           </a:p>
           <a:p>
             <a:r>
               <a:rPr lang="en-US" dirty="0" smtClean="0"/>
-              <a:t>All are derived from </a:t>
-            </a:r>
-            <a:r>
-              <a:rPr lang="en-US" dirty="0" err="1" smtClean="0">
-                <a:latin typeface="Consolas" panose="020B0609020204030204" pitchFamily="49" charset="0"/>
-              </a:rPr>
-              <a:t>System.Object</a:t>
-            </a:r>
-            <a:endParaRPr lang="en-US" dirty="0" smtClean="0">
-              <a:latin typeface="Consolas" panose="020B0609020204030204" pitchFamily="49" charset="0"/>
-            </a:endParaRPr>
+              <a:t>Every class should be a member of a namespace</a:t>
+            </a:r>
           </a:p>
           <a:p>
             <a:r>
               <a:rPr lang="en-US" dirty="0" smtClean="0"/>
-              <a:t>Contains Fields, Properties and Methods</a:t>
-            </a:r>
-          </a:p>
-          <a:p>
+              <a:t>Namespaces can have multiple levels like File Folders</a:t>
+            </a:r>
             <a:endParaRPr lang="en-US" dirty="0"/>
           </a:p>
         </p:txBody>
@@ -15844,13 +16557,20 @@
     </p:spTree>
     <p:extLst>
       <p:ext uri="{BB962C8B-B14F-4D97-AF65-F5344CB8AC3E}">
-        <p14:creationId xmlns:p14="http://schemas.microsoft.com/office/powerpoint/2010/main" val="178640512"/>
+        <p14:creationId xmlns:p14="http://schemas.microsoft.com/office/powerpoint/2010/main" val="767357221"/>
       </p:ext>
     </p:extLst>
   </p:cSld>
   <p:clrMapOvr>
     <a:masterClrMapping/>
   </p:clrMapOvr>
+  <p:timing>
+    <p:tnLst>
+      <p:par>
+        <p:cTn id="1" dur="indefinite" restart="never" nodeType="tmRoot"/>
+      </p:par>
+    </p:tnLst>
+  </p:timing>
 </p:sld>
 </file>
 
@@ -15888,7 +16608,7 @@
           <a:p>
             <a:r>
               <a:rPr lang="en-US" dirty="0" smtClean="0"/>
-              <a:t>Access Modifiers</a:t>
+              <a:t>Classes</a:t>
             </a:r>
             <a:endParaRPr lang="en-US" dirty="0"/>
           </a:p>
@@ -15906,183 +16626,57 @@
         </p:nvSpPr>
         <p:spPr/>
         <p:txBody>
-          <a:bodyPr>
-            <a:normAutofit fontScale="55000" lnSpcReduction="20000"/>
-          </a:bodyPr>
+          <a:bodyPr/>
           <a:lstStyle/>
           <a:p>
             <a:r>
-              <a:rPr lang="en-US" dirty="0">
+              <a:rPr lang="en-US" dirty="0" smtClean="0"/>
+              <a:t>Basis of Object Oriented Programming</a:t>
+            </a:r>
+          </a:p>
+          <a:p>
+            <a:r>
+              <a:rPr lang="en-US" dirty="0" smtClean="0"/>
+              <a:t>All are derived from </a:t>
+            </a:r>
+            <a:r>
+              <a:rPr lang="en-US" dirty="0" err="1" smtClean="0">
                 <a:latin typeface="Consolas" panose="020B0609020204030204" pitchFamily="49" charset="0"/>
               </a:rPr>
-              <a:t>public</a:t>
-            </a:r>
-            <a:r>
-              <a:rPr lang="en-US" dirty="0"/>
-              <a:t/>
-            </a:r>
-            <a:br>
-              <a:rPr lang="en-US" dirty="0"/>
-            </a:br>
-            <a:r>
-              <a:rPr lang="en-US" dirty="0"/>
-              <a:t>The type or member can be accessed by any other code in the same assembly or another assembly that references it.</a:t>
-            </a:r>
-          </a:p>
-          <a:p>
-            <a:r>
-              <a:rPr lang="en-US" dirty="0">
-                <a:latin typeface="Consolas" panose="020B0609020204030204" pitchFamily="49" charset="0"/>
-              </a:rPr>
-              <a:t>private</a:t>
-            </a:r>
-            <a:r>
-              <a:rPr lang="en-US" dirty="0"/>
-              <a:t/>
-            </a:r>
-            <a:br>
-              <a:rPr lang="en-US" dirty="0"/>
-            </a:br>
-            <a:r>
-              <a:rPr lang="en-US" dirty="0"/>
-              <a:t>The type or member can be accessed only by code in the same class or </a:t>
-            </a:r>
-            <a:r>
-              <a:rPr lang="en-US" dirty="0" err="1"/>
-              <a:t>struct</a:t>
-            </a:r>
-            <a:r>
-              <a:rPr lang="en-US" dirty="0"/>
-              <a:t>.</a:t>
-            </a:r>
-          </a:p>
-          <a:p>
-            <a:r>
-              <a:rPr lang="en-US" dirty="0">
-                <a:latin typeface="Consolas" panose="020B0609020204030204" pitchFamily="49" charset="0"/>
-              </a:rPr>
-              <a:t>protected</a:t>
-            </a:r>
-            <a:r>
-              <a:rPr lang="en-US" dirty="0"/>
-              <a:t/>
-            </a:r>
-            <a:br>
-              <a:rPr lang="en-US" dirty="0"/>
-            </a:br>
-            <a:r>
-              <a:rPr lang="en-US" dirty="0"/>
-              <a:t>The type or member can be accessed only by code in the same class, or in a class that is derived from that class</a:t>
-            </a:r>
-            <a:r>
-              <a:rPr lang="en-US" dirty="0"/>
-              <a:t>.</a:t>
-            </a:r>
-          </a:p>
-          <a:p>
-            <a:r>
-              <a:rPr lang="en-US" dirty="0">
-                <a:latin typeface="Consolas" panose="020B0609020204030204" pitchFamily="49" charset="0"/>
-              </a:rPr>
-              <a:t>internal</a:t>
-            </a:r>
-            <a:r>
-              <a:rPr lang="en-US" dirty="0"/>
-              <a:t/>
-            </a:r>
-            <a:br>
-              <a:rPr lang="en-US" dirty="0"/>
-            </a:br>
-            <a:r>
-              <a:rPr lang="en-US" dirty="0"/>
-              <a:t>The type or member can be accessed by any code in the same assembly, but not from another assembly.</a:t>
-            </a:r>
-          </a:p>
-          <a:p>
-            <a:r>
-              <a:rPr lang="en-US" dirty="0">
-                <a:latin typeface="Consolas" panose="020B0609020204030204" pitchFamily="49" charset="0"/>
-              </a:rPr>
-              <a:t>protected internal</a:t>
-            </a:r>
-            <a:r>
-              <a:rPr lang="en-US" dirty="0"/>
-              <a:t> </a:t>
-            </a:r>
-            <a:r>
-              <a:rPr lang="en-US" dirty="0" smtClean="0"/>
-              <a:t/>
-            </a:r>
-            <a:br>
-              <a:rPr lang="en-US" dirty="0" smtClean="0"/>
-            </a:br>
-            <a:r>
-              <a:rPr lang="en-US" dirty="0" smtClean="0"/>
-              <a:t>The </a:t>
-            </a:r>
-            <a:r>
-              <a:rPr lang="en-US" dirty="0"/>
-              <a:t>type or member can be accessed by any code in the assembly in which it is declared, or from within a derived class in another assembly.</a:t>
-            </a:r>
-          </a:p>
-          <a:p>
-            <a:r>
-              <a:rPr lang="en-US" dirty="0">
-                <a:latin typeface="Consolas" panose="020B0609020204030204" pitchFamily="49" charset="0"/>
-              </a:rPr>
-              <a:t>private protected</a:t>
-            </a:r>
-            <a:r>
-              <a:rPr lang="en-US" dirty="0"/>
-              <a:t> </a:t>
-            </a:r>
-            <a:r>
-              <a:rPr lang="en-US" dirty="0" smtClean="0"/>
-              <a:t/>
-            </a:r>
-            <a:br>
-              <a:rPr lang="en-US" dirty="0" smtClean="0"/>
-            </a:br>
-            <a:r>
-              <a:rPr lang="en-US" dirty="0" smtClean="0"/>
-              <a:t>The </a:t>
-            </a:r>
-            <a:r>
-              <a:rPr lang="en-US" dirty="0"/>
-              <a:t>type or member can be accessed only within its declaring assembly, by code in the same class or in a type that is derived from that class</a:t>
-            </a:r>
-            <a:r>
-              <a:rPr lang="en-US" dirty="0" smtClean="0"/>
-              <a:t>.</a:t>
-            </a:r>
-          </a:p>
-          <a:p>
-            <a:r>
-              <a:rPr lang="en-US" dirty="0" smtClean="0"/>
-              <a:t>The default access modifier for classes and their methods is </a:t>
-            </a:r>
-            <a:r>
-              <a:rPr lang="en-US" dirty="0" smtClean="0">
-                <a:latin typeface="Consolas" panose="020B0609020204030204" pitchFamily="49" charset="0"/>
-              </a:rPr>
-              <a:t>internal</a:t>
-            </a:r>
-            <a:endParaRPr lang="en-US" dirty="0">
+              <a:t>System.Object</a:t>
+            </a:r>
+            <a:endParaRPr lang="en-US" dirty="0" smtClean="0">
               <a:latin typeface="Consolas" panose="020B0609020204030204" pitchFamily="49" charset="0"/>
             </a:endParaRPr>
+          </a:p>
+          <a:p>
+            <a:r>
+              <a:rPr lang="en-US" dirty="0" smtClean="0"/>
+              <a:t>Contains Fields, Properties and Methods</a:t>
+            </a:r>
+          </a:p>
+          <a:p>
+            <a:endParaRPr lang="en-US" dirty="0"/>
           </a:p>
         </p:txBody>
       </p:sp>
     </p:spTree>
     <p:extLst>
       <p:ext uri="{BB962C8B-B14F-4D97-AF65-F5344CB8AC3E}">
-        <p14:creationId xmlns:p14="http://schemas.microsoft.com/office/powerpoint/2010/main" val="3646755285"/>
+        <p14:creationId xmlns:p14="http://schemas.microsoft.com/office/powerpoint/2010/main" val="178640512"/>
       </p:ext>
     </p:extLst>
   </p:cSld>
   <p:clrMapOvr>
     <a:masterClrMapping/>
   </p:clrMapOvr>
+  <p:timing>
+    <p:tnLst>
+      <p:par>
+        <p:cTn id="1" dur="indefinite" restart="never" nodeType="tmRoot"/>
+      </p:par>
+    </p:tnLst>
+  </p:timing>
 </p:sld>
 </file>
 
@@ -16120,7 +16714,7 @@
           <a:p>
             <a:r>
               <a:rPr lang="en-US" dirty="0" smtClean="0"/>
-              <a:t>Properties</a:t>
+              <a:t>Access Modifiers</a:t>
             </a:r>
             <a:endParaRPr lang="en-US" dirty="0"/>
           </a:p>
@@ -16138,27 +16732,186 @@
         </p:nvSpPr>
         <p:spPr/>
         <p:txBody>
-          <a:bodyPr/>
+          <a:bodyPr>
+            <a:normAutofit fontScale="55000" lnSpcReduction="20000"/>
+          </a:bodyPr>
           <a:lstStyle/>
           <a:p>
             <a:r>
+              <a:rPr lang="en-US" dirty="0">
+                <a:latin typeface="Consolas" panose="020B0609020204030204" pitchFamily="49" charset="0"/>
+              </a:rPr>
+              <a:t>public</a:t>
+            </a:r>
+            <a:r>
+              <a:rPr lang="en-US" dirty="0"/>
+              <a:t/>
+            </a:r>
+            <a:br>
+              <a:rPr lang="en-US" dirty="0"/>
+            </a:br>
+            <a:r>
+              <a:rPr lang="en-US" dirty="0"/>
+              <a:t>The type or member can be accessed by any other code in the same assembly or another assembly that references it.</a:t>
+            </a:r>
+          </a:p>
+          <a:p>
+            <a:r>
+              <a:rPr lang="en-US" dirty="0">
+                <a:latin typeface="Consolas" panose="020B0609020204030204" pitchFamily="49" charset="0"/>
+              </a:rPr>
+              <a:t>private</a:t>
+            </a:r>
+            <a:r>
+              <a:rPr lang="en-US" dirty="0"/>
+              <a:t/>
+            </a:r>
+            <a:br>
+              <a:rPr lang="en-US" dirty="0"/>
+            </a:br>
+            <a:r>
+              <a:rPr lang="en-US" dirty="0"/>
+              <a:t>The type or member can be accessed only by code in the same class or </a:t>
+            </a:r>
+            <a:r>
+              <a:rPr lang="en-US" dirty="0" err="1"/>
+              <a:t>struct</a:t>
+            </a:r>
+            <a:r>
+              <a:rPr lang="en-US" dirty="0"/>
+              <a:t>.</a:t>
+            </a:r>
+          </a:p>
+          <a:p>
+            <a:r>
+              <a:rPr lang="en-US" dirty="0">
+                <a:latin typeface="Consolas" panose="020B0609020204030204" pitchFamily="49" charset="0"/>
+              </a:rPr>
+              <a:t>protected</a:t>
+            </a:r>
+            <a:r>
+              <a:rPr lang="en-US" dirty="0"/>
+              <a:t/>
+            </a:r>
+            <a:br>
+              <a:rPr lang="en-US" dirty="0"/>
+            </a:br>
+            <a:r>
+              <a:rPr lang="en-US" dirty="0"/>
+              <a:t>The type or member can be accessed only by code in the same class, or in a class that is derived from that class.</a:t>
+            </a:r>
+          </a:p>
+          <a:p>
+            <a:r>
+              <a:rPr lang="en-US" dirty="0">
+                <a:latin typeface="Consolas" panose="020B0609020204030204" pitchFamily="49" charset="0"/>
+              </a:rPr>
+              <a:t>internal</a:t>
+            </a:r>
+            <a:r>
+              <a:rPr lang="en-US" dirty="0"/>
+              <a:t/>
+            </a:r>
+            <a:br>
+              <a:rPr lang="en-US" dirty="0"/>
+            </a:br>
+            <a:r>
+              <a:rPr lang="en-US" dirty="0"/>
+              <a:t>The type or member can be accessed by any code in the same assembly, but not from another assembly.</a:t>
+            </a:r>
+          </a:p>
+          <a:p>
+            <a:r>
+              <a:rPr lang="en-US" dirty="0">
+                <a:latin typeface="Consolas" panose="020B0609020204030204" pitchFamily="49" charset="0"/>
+              </a:rPr>
+              <a:t>protected internal</a:t>
+            </a:r>
+            <a:r>
+              <a:rPr lang="en-US" dirty="0"/>
+              <a:t> </a:t>
+            </a:r>
+            <a:r>
               <a:rPr lang="en-US" dirty="0" smtClean="0"/>
-              <a:t>Properties</a:t>
-            </a:r>
-            <a:endParaRPr lang="en-US" dirty="0"/>
+              <a:t/>
+            </a:r>
+            <a:br>
+              <a:rPr lang="en-US" dirty="0" smtClean="0"/>
+            </a:br>
+            <a:r>
+              <a:rPr lang="en-US" dirty="0" smtClean="0"/>
+              <a:t>The </a:t>
+            </a:r>
+            <a:r>
+              <a:rPr lang="en-US" dirty="0"/>
+              <a:t>type or member can be accessed by any code in the assembly in which it is declared, or from within a derived class in another assembly.</a:t>
+            </a:r>
+          </a:p>
+          <a:p>
+            <a:r>
+              <a:rPr lang="en-US" dirty="0">
+                <a:latin typeface="Consolas" panose="020B0609020204030204" pitchFamily="49" charset="0"/>
+              </a:rPr>
+              <a:t>private protected</a:t>
+            </a:r>
+            <a:r>
+              <a:rPr lang="en-US" dirty="0"/>
+              <a:t> </a:t>
+            </a:r>
+            <a:r>
+              <a:rPr lang="en-US" dirty="0" smtClean="0"/>
+              <a:t/>
+            </a:r>
+            <a:br>
+              <a:rPr lang="en-US" dirty="0" smtClean="0"/>
+            </a:br>
+            <a:r>
+              <a:rPr lang="en-US" dirty="0" smtClean="0"/>
+              <a:t>The </a:t>
+            </a:r>
+            <a:r>
+              <a:rPr lang="en-US" dirty="0"/>
+              <a:t>type or member can be accessed only within its declaring assembly, by code in the same class or in a type that is derived from that class</a:t>
+            </a:r>
+            <a:r>
+              <a:rPr lang="en-US" dirty="0" smtClean="0"/>
+              <a:t>.</a:t>
+            </a:r>
+          </a:p>
+          <a:p>
+            <a:r>
+              <a:rPr lang="en-US" dirty="0" smtClean="0"/>
+              <a:t>The default access modifier for classes and their methods is </a:t>
+            </a:r>
+            <a:r>
+              <a:rPr lang="en-US" dirty="0" smtClean="0">
+                <a:latin typeface="Consolas" panose="020B0609020204030204" pitchFamily="49" charset="0"/>
+              </a:rPr>
+              <a:t>internal</a:t>
+            </a:r>
+            <a:endParaRPr lang="en-US" dirty="0">
+              <a:latin typeface="Consolas" panose="020B0609020204030204" pitchFamily="49" charset="0"/>
+            </a:endParaRPr>
           </a:p>
         </p:txBody>
       </p:sp>
     </p:spTree>
     <p:extLst>
       <p:ext uri="{BB962C8B-B14F-4D97-AF65-F5344CB8AC3E}">
-        <p14:creationId xmlns:p14="http://schemas.microsoft.com/office/powerpoint/2010/main" val="2298207795"/>
+        <p14:creationId xmlns:p14="http://schemas.microsoft.com/office/powerpoint/2010/main" val="3646755285"/>
       </p:ext>
     </p:extLst>
   </p:cSld>
   <p:clrMapOvr>
     <a:masterClrMapping/>
   </p:clrMapOvr>
+  <p:timing>
+    <p:tnLst>
+      <p:par>
+        <p:cTn id="1" dur="indefinite" restart="never" nodeType="tmRoot"/>
+      </p:par>
+    </p:tnLst>
+  </p:timing>
 </p:sld>
 </file>
 
@@ -16196,7 +16949,7 @@
           <a:p>
             <a:r>
               <a:rPr lang="en-US" dirty="0" smtClean="0"/>
-              <a:t>Inheritance, Interfaces, and Polymorphism</a:t>
+              <a:t>Properties</a:t>
             </a:r>
             <a:endParaRPr lang="en-US" dirty="0"/>
           </a:p>
@@ -16214,90 +16967,87 @@
         </p:nvSpPr>
         <p:spPr/>
         <p:txBody>
-          <a:bodyPr>
-            <a:normAutofit fontScale="92500" lnSpcReduction="10000"/>
-          </a:bodyPr>
+          <a:bodyPr/>
           <a:lstStyle/>
           <a:p>
             <a:r>
               <a:rPr lang="en-US" dirty="0" smtClean="0"/>
-              <a:t>All classes inherit from exactly one object</a:t>
-            </a:r>
-          </a:p>
-          <a:p>
-            <a:pPr lvl="1"/>
+              <a:t>Properties are Class members that hide fields</a:t>
+            </a:r>
+          </a:p>
+          <a:p>
             <a:r>
               <a:rPr lang="en-US" dirty="0" smtClean="0"/>
-              <a:t>Classes without a declared ancestor inherit from </a:t>
-            </a:r>
-            <a:r>
-              <a:rPr lang="en-US" dirty="0" err="1" smtClean="0">
-                <a:latin typeface="Consolas" panose="020B0609020204030204" pitchFamily="49" charset="0"/>
-              </a:rPr>
-              <a:t>System.Object</a:t>
-            </a:r>
-            <a:endParaRPr lang="en-US" dirty="0" smtClean="0">
-              <a:latin typeface="Consolas" panose="020B0609020204030204" pitchFamily="49" charset="0"/>
-            </a:endParaRPr>
-          </a:p>
-          <a:p>
-            <a:pPr lvl="1"/>
-            <a:r>
-              <a:rPr lang="en-US" dirty="0" err="1" smtClean="0">
-                <a:latin typeface="Consolas" panose="020B0609020204030204" pitchFamily="49" charset="0"/>
-              </a:rPr>
-              <a:t>System.Object</a:t>
-            </a:r>
-            <a:r>
-              <a:rPr lang="en-US" dirty="0" smtClean="0">
-                <a:latin typeface="Consolas" panose="020B0609020204030204" pitchFamily="49" charset="0"/>
-              </a:rPr>
-              <a:t> </a:t>
-            </a:r>
+              <a:t>Generally, Properties are public or internal</a:t>
+            </a:r>
+          </a:p>
+          <a:p>
             <a:r>
               <a:rPr lang="en-US" dirty="0" smtClean="0"/>
-              <a:t>is the exception to this rule</a:t>
+              <a:t>They implement get and set methods</a:t>
             </a:r>
           </a:p>
           <a:p>
             <a:r>
               <a:rPr lang="en-US" dirty="0" smtClean="0"/>
-              <a:t>Classes can implement multiple interfaces</a:t>
-            </a:r>
-          </a:p>
-          <a:p>
-            <a:pPr lvl="1"/>
+              <a:t>C# lets you auto implement properties without defining a backing field </a:t>
+            </a:r>
+          </a:p>
+          <a:p>
             <a:r>
               <a:rPr lang="en-US" dirty="0" smtClean="0"/>
-              <a:t>An interface specifies methods that a class that implements it must have</a:t>
-            </a:r>
-          </a:p>
-          <a:p>
-            <a:pPr lvl="1"/>
-            <a:r>
-              <a:rPr lang="en-US" dirty="0" smtClean="0"/>
-              <a:t>Interfaces cannot contain implementations, though this is changing in C# 8.0 this year</a:t>
-            </a:r>
-          </a:p>
-          <a:p>
-            <a:r>
-              <a:rPr lang="en-US" dirty="0" smtClean="0"/>
-              <a:t>Classes can be assigned to variables with types matching their own or their ancestors or implemented interfaces</a:t>
-            </a:r>
+              <a:t>You can have different access modifiers for get and set</a:t>
+            </a:r>
+          </a:p>
+          <a:p>
             <a:endParaRPr lang="en-US" dirty="0"/>
+          </a:p>
+          <a:p>
+            <a:endParaRPr lang="en-US" dirty="0" smtClean="0"/>
+          </a:p>
+          <a:p>
+            <a:endParaRPr lang="en-US" dirty="0"/>
+          </a:p>
+          <a:p>
+            <a:endParaRPr lang="en-US" dirty="0" smtClean="0"/>
+          </a:p>
+          <a:p>
+            <a:endParaRPr lang="en-US" dirty="0"/>
+          </a:p>
+          <a:p>
+            <a:endParaRPr lang="en-US" dirty="0" smtClean="0"/>
+          </a:p>
+          <a:p>
+            <a:endParaRPr lang="en-US" dirty="0"/>
+          </a:p>
+          <a:p>
+            <a:endParaRPr lang="en-US" dirty="0" smtClean="0"/>
+          </a:p>
+          <a:p>
+            <a:endParaRPr lang="en-US" dirty="0"/>
+          </a:p>
+          <a:p>
+            <a:endParaRPr lang="en-US" dirty="0" smtClean="0"/>
           </a:p>
         </p:txBody>
       </p:sp>
     </p:spTree>
     <p:extLst>
       <p:ext uri="{BB962C8B-B14F-4D97-AF65-F5344CB8AC3E}">
-        <p14:creationId xmlns:p14="http://schemas.microsoft.com/office/powerpoint/2010/main" val="1895954429"/>
+        <p14:creationId xmlns:p14="http://schemas.microsoft.com/office/powerpoint/2010/main" val="2298207795"/>
       </p:ext>
     </p:extLst>
   </p:cSld>
   <p:clrMapOvr>
     <a:masterClrMapping/>
   </p:clrMapOvr>
+  <p:timing>
+    <p:tnLst>
+      <p:par>
+        <p:cTn id="1" dur="indefinite" restart="never" nodeType="tmRoot"/>
+      </p:par>
+    </p:tnLst>
+  </p:timing>
 </p:sld>
 </file>
 
@@ -16335,7 +17085,7 @@
           <a:p>
             <a:r>
               <a:rPr lang="en-US" dirty="0" smtClean="0"/>
-              <a:t>Derived Objects</a:t>
+              <a:t>Inheritance, Interfaces, and Polymorphism</a:t>
             </a:r>
             <a:endParaRPr lang="en-US" dirty="0"/>
           </a:p>
@@ -16354,42 +17104,75 @@
         <p:spPr/>
         <p:txBody>
           <a:bodyPr>
-            <a:normAutofit lnSpcReduction="10000"/>
+            <a:normAutofit fontScale="92500" lnSpcReduction="10000"/>
           </a:bodyPr>
           <a:lstStyle/>
           <a:p>
             <a:r>
               <a:rPr lang="en-US" dirty="0" smtClean="0"/>
-              <a:t>A descendant of an object inherits all Public methods and properties of the base class</a:t>
-            </a:r>
-          </a:p>
-          <a:p>
+              <a:t>All classes inherit from exactly one object</a:t>
+            </a:r>
+          </a:p>
+          <a:p>
+            <a:pPr lvl="1"/>
             <a:r>
               <a:rPr lang="en-US" dirty="0" smtClean="0"/>
-              <a:t>They may not have  a higher access level then their base class</a:t>
-            </a:r>
-          </a:p>
-          <a:p>
+              <a:t>Classes without a declared ancestor inherit from </a:t>
+            </a:r>
+            <a:r>
+              <a:rPr lang="en-US" dirty="0" err="1" smtClean="0">
+                <a:latin typeface="Consolas" panose="020B0609020204030204" pitchFamily="49" charset="0"/>
+              </a:rPr>
+              <a:t>System.Object</a:t>
+            </a:r>
+            <a:endParaRPr lang="en-US" dirty="0" smtClean="0">
+              <a:latin typeface="Consolas" panose="020B0609020204030204" pitchFamily="49" charset="0"/>
+            </a:endParaRPr>
+          </a:p>
+          <a:p>
+            <a:pPr lvl="1"/>
+            <a:r>
+              <a:rPr lang="en-US" dirty="0" err="1" smtClean="0">
+                <a:latin typeface="Consolas" panose="020B0609020204030204" pitchFamily="49" charset="0"/>
+              </a:rPr>
+              <a:t>System.Object</a:t>
+            </a:r>
+            <a:r>
+              <a:rPr lang="en-US" dirty="0" smtClean="0">
+                <a:latin typeface="Consolas" panose="020B0609020204030204" pitchFamily="49" charset="0"/>
+              </a:rPr>
+              <a:t> </a:t>
+            </a:r>
             <a:r>
               <a:rPr lang="en-US" dirty="0" smtClean="0"/>
-              <a:t>Methods defined on a derived object are not available when it’s assigned to a variable with it’s base type</a:t>
+              <a:t>is the exception to this rule</a:t>
             </a:r>
           </a:p>
           <a:p>
             <a:r>
               <a:rPr lang="en-US" dirty="0" smtClean="0"/>
-              <a:t>Methods of the derived class can override virtual methods or provide new </a:t>
-            </a:r>
-            <a:r>
-              <a:rPr lang="en-US" dirty="0" err="1" smtClean="0"/>
-              <a:t>implentations</a:t>
-            </a:r>
+              <a:t>Classes can implement multiple interfaces</a:t>
+            </a:r>
+          </a:p>
+          <a:p>
+            <a:pPr lvl="1"/>
             <a:r>
               <a:rPr lang="en-US" dirty="0" smtClean="0"/>
-              <a:t> that hide methods from the base class</a:t>
-            </a:r>
-          </a:p>
-          <a:p>
+              <a:t>An interface specifies methods that a class that implements it must have</a:t>
+            </a:r>
+          </a:p>
+          <a:p>
+            <a:pPr lvl="1"/>
+            <a:r>
+              <a:rPr lang="en-US" dirty="0" smtClean="0"/>
+              <a:t>Interfaces cannot contain implementations, though this is changing in C# 8.0 this year</a:t>
+            </a:r>
+          </a:p>
+          <a:p>
+            <a:r>
+              <a:rPr lang="en-US" dirty="0" smtClean="0"/>
+              <a:t>Classes can be assigned to variables with types matching their own or their ancestors or implemented interfaces</a:t>
+            </a:r>
             <a:endParaRPr lang="en-US" dirty="0"/>
           </a:p>
         </p:txBody>
@@ -16397,13 +17180,20 @@
     </p:spTree>
     <p:extLst>
       <p:ext uri="{BB962C8B-B14F-4D97-AF65-F5344CB8AC3E}">
-        <p14:creationId xmlns:p14="http://schemas.microsoft.com/office/powerpoint/2010/main" val="3271559485"/>
+        <p14:creationId xmlns:p14="http://schemas.microsoft.com/office/powerpoint/2010/main" val="1895954429"/>
       </p:ext>
     </p:extLst>
   </p:cSld>
   <p:clrMapOvr>
     <a:masterClrMapping/>
   </p:clrMapOvr>
+  <p:timing>
+    <p:tnLst>
+      <p:par>
+        <p:cTn id="1" dur="indefinite" restart="never" nodeType="tmRoot"/>
+      </p:par>
+    </p:tnLst>
+  </p:timing>
 </p:sld>
 </file>
 
@@ -16441,7 +17231,7 @@
           <a:p>
             <a:r>
               <a:rPr lang="en-US" dirty="0" smtClean="0"/>
-              <a:t>Virtual, Override, New, base</a:t>
+              <a:t>Derived Objects</a:t>
             </a:r>
             <a:endParaRPr lang="en-US" dirty="0"/>
           </a:p>
@@ -16460,6 +17250,116 @@
         <p:spPr/>
         <p:txBody>
           <a:bodyPr>
+            <a:normAutofit lnSpcReduction="10000"/>
+          </a:bodyPr>
+          <a:lstStyle/>
+          <a:p>
+            <a:r>
+              <a:rPr lang="en-US" dirty="0" smtClean="0"/>
+              <a:t>A descendant of an object inherits all Public methods and properties of the base class</a:t>
+            </a:r>
+          </a:p>
+          <a:p>
+            <a:r>
+              <a:rPr lang="en-US" dirty="0" smtClean="0"/>
+              <a:t>They may not have  a higher access level then their base class</a:t>
+            </a:r>
+          </a:p>
+          <a:p>
+            <a:r>
+              <a:rPr lang="en-US" dirty="0" smtClean="0"/>
+              <a:t>Methods defined on a derived object are not available when it’s assigned to a variable with it’s base type</a:t>
+            </a:r>
+          </a:p>
+          <a:p>
+            <a:r>
+              <a:rPr lang="en-US" dirty="0" smtClean="0"/>
+              <a:t>Methods of the derived class can override virtual methods or provide new implementations that hide methods from the base class</a:t>
+            </a:r>
+          </a:p>
+          <a:p>
+            <a:endParaRPr lang="en-US" dirty="0"/>
+          </a:p>
+        </p:txBody>
+      </p:sp>
+    </p:spTree>
+    <p:extLst>
+      <p:ext uri="{BB962C8B-B14F-4D97-AF65-F5344CB8AC3E}">
+        <p14:creationId xmlns:p14="http://schemas.microsoft.com/office/powerpoint/2010/main" val="3271559485"/>
+      </p:ext>
+    </p:extLst>
+  </p:cSld>
+  <p:clrMapOvr>
+    <a:masterClrMapping/>
+  </p:clrMapOvr>
+  <p:timing>
+    <p:tnLst>
+      <p:par>
+        <p:cTn id="1" dur="indefinite" restart="never" nodeType="tmRoot"/>
+      </p:par>
+    </p:tnLst>
+  </p:timing>
+</p:sld>
+</file>
+
+<file path=ppt/slides/slide19.xml><?xml version="1.0" encoding="utf-8"?>
+<p:sld xmlns:a="http://schemas.openxmlformats.org/drawingml/2006/main" xmlns:r="http://schemas.openxmlformats.org/officeDocument/2006/relationships" xmlns:p="http://schemas.openxmlformats.org/presentationml/2006/main">
+  <p:cSld>
+    <p:spTree>
+      <p:nvGrpSpPr>
+        <p:cNvPr id="1" name=""/>
+        <p:cNvGrpSpPr/>
+        <p:nvPr/>
+      </p:nvGrpSpPr>
+      <p:grpSpPr>
+        <a:xfrm>
+          <a:off x="0" y="0"/>
+          <a:ext cx="0" cy="0"/>
+          <a:chOff x="0" y="0"/>
+          <a:chExt cx="0" cy="0"/>
+        </a:xfrm>
+      </p:grpSpPr>
+      <p:sp>
+        <p:nvSpPr>
+          <p:cNvPr id="2" name="Title 1"/>
+          <p:cNvSpPr>
+            <a:spLocks noGrp="1"/>
+          </p:cNvSpPr>
+          <p:nvPr>
+            <p:ph type="title"/>
+          </p:nvPr>
+        </p:nvSpPr>
+        <p:spPr/>
+        <p:txBody>
+          <a:bodyPr/>
+          <a:lstStyle/>
+          <a:p>
+            <a:r>
+              <a:rPr lang="en-US" dirty="0" smtClean="0"/>
+              <a:t>Virtual, Override, New, base</a:t>
+            </a:r>
+            <a:endParaRPr lang="en-US" dirty="0"/>
+          </a:p>
+        </p:txBody>
+      </p:sp>
+      <p:sp>
+        <p:nvSpPr>
+          <p:cNvPr id="3" name="Content Placeholder 2"/>
+          <p:cNvSpPr>
+            <a:spLocks noGrp="1"/>
+          </p:cNvSpPr>
+          <p:nvPr>
+            <p:ph idx="1"/>
+          </p:nvPr>
+        </p:nvSpPr>
+        <p:spPr>
+          <a:xfrm>
+            <a:off x="1141413" y="2243625"/>
+            <a:ext cx="9905999" cy="3541714"/>
+          </a:xfrm>
+        </p:spPr>
+        <p:txBody>
+          <a:bodyPr>
             <a:normAutofit fontScale="92500" lnSpcReduction="10000"/>
           </a:bodyPr>
           <a:lstStyle/>
@@ -16519,6 +17419,13 @@
   <p:clrMapOvr>
     <a:masterClrMapping/>
   </p:clrMapOvr>
+  <p:timing>
+    <p:tnLst>
+      <p:par>
+        <p:cTn id="1" dur="indefinite" restart="never" nodeType="tmRoot"/>
+      </p:par>
+    </p:tnLst>
+  </p:timing>
 </p:sld>
 </file>
 
@@ -16633,6 +17540,13 @@
   <p:clrMapOvr>
     <a:masterClrMapping/>
   </p:clrMapOvr>
+  <p:timing>
+    <p:tnLst>
+      <p:par>
+        <p:cTn id="1" dur="indefinite" restart="never" nodeType="tmRoot"/>
+      </p:par>
+    </p:tnLst>
+  </p:timing>
 </p:sld>
 </file>
 
@@ -16718,7 +17632,7 @@
           <a:p>
             <a:r>
               <a:rPr lang="en-US" dirty="0" smtClean="0"/>
-              <a:t>3.0 Version next year will support desktop applications</a:t>
+              <a:t>3.0 Version this year will support desktop applications</a:t>
             </a:r>
           </a:p>
           <a:p>
@@ -16752,6 +17666,13 @@
   <p:clrMapOvr>
     <a:masterClrMapping/>
   </p:clrMapOvr>
+  <p:timing>
+    <p:tnLst>
+      <p:par>
+        <p:cTn id="1" dur="indefinite" restart="never" nodeType="tmRoot"/>
+      </p:par>
+    </p:tnLst>
+  </p:timing>
 </p:sld>
 </file>
 
@@ -16842,6 +17763,13 @@
   <p:clrMapOvr>
     <a:masterClrMapping/>
   </p:clrMapOvr>
+  <p:timing>
+    <p:tnLst>
+      <p:par>
+        <p:cTn id="1" dur="indefinite" restart="never" nodeType="tmRoot"/>
+      </p:par>
+    </p:tnLst>
+  </p:timing>
 </p:sld>
 </file>
 
@@ -16971,7 +17899,7 @@
           </p:nvPr>
         </p:nvPicPr>
         <p:blipFill>
-          <a:blip r:embed="rId2"/>
+          <a:blip r:embed="rId3"/>
           <a:stretch>
             <a:fillRect/>
           </a:stretch>
@@ -16996,6 +17924,13 @@
   <p:clrMapOvr>
     <a:masterClrMapping/>
   </p:clrMapOvr>
+  <p:timing>
+    <p:tnLst>
+      <p:par>
+        <p:cTn id="1" dur="indefinite" restart="never" nodeType="tmRoot"/>
+      </p:par>
+    </p:tnLst>
+  </p:timing>
 </p:sld>
 </file>
 
@@ -17074,6 +18009,13 @@
   <p:clrMapOvr>
     <a:masterClrMapping/>
   </p:clrMapOvr>
+  <p:timing>
+    <p:tnLst>
+      <p:par>
+        <p:cTn id="1" dur="indefinite" restart="never" nodeType="tmRoot"/>
+      </p:par>
+    </p:tnLst>
+  </p:timing>
 </p:sld>
 </file>
 
@@ -17206,6 +18148,13 @@
   <p:clrMapOvr>
     <a:masterClrMapping/>
   </p:clrMapOvr>
+  <p:timing>
+    <p:tnLst>
+      <p:par>
+        <p:cTn id="1" dur="indefinite" restart="never" nodeType="tmRoot"/>
+      </p:par>
+    </p:tnLst>
+  </p:timing>
 </p:sld>
 </file>
 
@@ -17750,6 +18699,13 @@
   <p:clrMapOvr>
     <a:masterClrMapping/>
   </p:clrMapOvr>
+  <p:timing>
+    <p:tnLst>
+      <p:par>
+        <p:cTn id="1" dur="indefinite" restart="never" nodeType="tmRoot"/>
+      </p:par>
+    </p:tnLst>
+  </p:timing>
 </p:sld>
 </file>
 
@@ -17946,6 +18902,13 @@
   <p:clrMapOvr>
     <a:masterClrMapping/>
   </p:clrMapOvr>
+  <p:timing>
+    <p:tnLst>
+      <p:par>
+        <p:cTn id="1" dur="indefinite" restart="never" nodeType="tmRoot"/>
+      </p:par>
+    </p:tnLst>
+  </p:timing>
 </p:sld>
 </file>
 
@@ -18198,4 +19161,265 @@
     </a:ext>
   </a:extLst>
 </a:theme>
+</file>
+
+<file path=ppt/theme/theme2.xml><?xml version="1.0" encoding="utf-8"?>
+<a:theme xmlns:a="http://schemas.openxmlformats.org/drawingml/2006/main" name="Office Theme">
+  <a:themeElements>
+    <a:clrScheme name="Office">
+      <a:dk1>
+        <a:sysClr val="windowText" lastClr="000000"/>
+      </a:dk1>
+      <a:lt1>
+        <a:sysClr val="window" lastClr="FFFFFF"/>
+      </a:lt1>
+      <a:dk2>
+        <a:srgbClr val="44546A"/>
+      </a:dk2>
+      <a:lt2>
+        <a:srgbClr val="E7E6E6"/>
+      </a:lt2>
+      <a:accent1>
+        <a:srgbClr val="5B9BD5"/>
+      </a:accent1>
+      <a:accent2>
+        <a:srgbClr val="ED7D31"/>
+      </a:accent2>
+      <a:accent3>
+        <a:srgbClr val="A5A5A5"/>
+      </a:accent3>
+      <a:accent4>
+        <a:srgbClr val="FFC000"/>
+      </a:accent4>
+      <a:accent5>
+        <a:srgbClr val="4472C4"/>
+      </a:accent5>
+      <a:accent6>
+        <a:srgbClr val="70AD47"/>
+      </a:accent6>
+      <a:hlink>
+        <a:srgbClr val="0563C1"/>
+      </a:hlink>
+      <a:folHlink>
+        <a:srgbClr val="954F72"/>
+      </a:folHlink>
+    </a:clrScheme>
+    <a:fontScheme name="Office">
+      <a:majorFont>
+        <a:latin typeface="Calibri Light" panose="020F0302020204030204"/>
+        <a:ea typeface=""/>
+        <a:cs typeface=""/>
+        <a:font script="Jpan" typeface="ＭＳ Ｐゴシック"/>
+        <a:font script="Hang" typeface="맑은 고딕"/>
+        <a:font script="Hans" typeface="宋体"/>
+        <a:font script="Hant" typeface="新細明體"/>
+        <a:font script="Arab" typeface="Times New Roman"/>
+        <a:font script="Hebr" typeface="Times New Roman"/>
+        <a:font script="Thai" typeface="Angsana New"/>
+        <a:font script="Ethi" typeface="Nyala"/>
+        <a:font script="Beng" typeface="Vrinda"/>
+        <a:font script="Gujr" typeface="Shruti"/>
+        <a:font script="Khmr" typeface="MoolBoran"/>
+        <a:font script="Knda" typeface="Tunga"/>
+        <a:font script="Guru" typeface="Raavi"/>
+        <a:font script="Cans" typeface="Euphemia"/>
+        <a:font script="Cher" typeface="Plantagenet Cherokee"/>
+        <a:font script="Yiii" typeface="Microsoft Yi Baiti"/>
+        <a:font script="Tibt" typeface="Microsoft Himalaya"/>
+        <a:font script="Thaa" typeface="MV Boli"/>
+        <a:font script="Deva" typeface="Mangal"/>
+        <a:font script="Telu" typeface="Gautami"/>
+        <a:font script="Taml" typeface="Latha"/>
+        <a:font script="Syrc" typeface="Estrangelo Edessa"/>
+        <a:font script="Orya" typeface="Kalinga"/>
+        <a:font script="Mlym" typeface="Kartika"/>
+        <a:font script="Laoo" typeface="DokChampa"/>
+        <a:font script="Sinh" typeface="Iskoola Pota"/>
+        <a:font script="Mong" typeface="Mongolian Baiti"/>
+        <a:font script="Viet" typeface="Times New Roman"/>
+        <a:font script="Uigh" typeface="Microsoft Uighur"/>
+        <a:font script="Geor" typeface="Sylfaen"/>
+      </a:majorFont>
+      <a:minorFont>
+        <a:latin typeface="Calibri" panose="020F0502020204030204"/>
+        <a:ea typeface=""/>
+        <a:cs typeface=""/>
+        <a:font script="Jpan" typeface="ＭＳ Ｐゴシック"/>
+        <a:font script="Hang" typeface="맑은 고딕"/>
+        <a:font script="Hans" typeface="宋体"/>
+        <a:font script="Hant" typeface="新細明體"/>
+        <a:font script="Arab" typeface="Arial"/>
+        <a:font script="Hebr" typeface="Arial"/>
+        <a:font script="Thai" typeface="Cordia New"/>
+        <a:font script="Ethi" typeface="Nyala"/>
+        <a:font script="Beng" typeface="Vrinda"/>
+        <a:font script="Gujr" typeface="Shruti"/>
+        <a:font script="Khmr" typeface="DaunPenh"/>
+        <a:font script="Knda" typeface="Tunga"/>
+        <a:font script="Guru" typeface="Raavi"/>
+        <a:font script="Cans" typeface="Euphemia"/>
+        <a:font script="Cher" typeface="Plantagenet Cherokee"/>
+        <a:font script="Yiii" typeface="Microsoft Yi Baiti"/>
+        <a:font script="Tibt" typeface="Microsoft Himalaya"/>
+        <a:font script="Thaa" typeface="MV Boli"/>
+        <a:font script="Deva" typeface="Mangal"/>
+        <a:font script="Telu" typeface="Gautami"/>
+        <a:font script="Taml" typeface="Latha"/>
+        <a:font script="Syrc" typeface="Estrangelo Edessa"/>
+        <a:font script="Orya" typeface="Kalinga"/>
+        <a:font script="Mlym" typeface="Kartika"/>
+        <a:font script="Laoo" typeface="DokChampa"/>
+        <a:font script="Sinh" typeface="Iskoola Pota"/>
+        <a:font script="Mong" typeface="Mongolian Baiti"/>
+        <a:font script="Viet" typeface="Arial"/>
+        <a:font script="Uigh" typeface="Microsoft Uighur"/>
+        <a:font script="Geor" typeface="Sylfaen"/>
+      </a:minorFont>
+    </a:fontScheme>
+    <a:fmtScheme name="Office">
+      <a:fillStyleLst>
+        <a:solidFill>
+          <a:schemeClr val="phClr"/>
+        </a:solidFill>
+        <a:gradFill rotWithShape="1">
+          <a:gsLst>
+            <a:gs pos="0">
+              <a:schemeClr val="phClr">
+                <a:lumMod val="110000"/>
+                <a:satMod val="105000"/>
+                <a:tint val="67000"/>
+              </a:schemeClr>
+            </a:gs>
+            <a:gs pos="50000">
+              <a:schemeClr val="phClr">
+                <a:lumMod val="105000"/>
+                <a:satMod val="103000"/>
+                <a:tint val="73000"/>
+              </a:schemeClr>
+            </a:gs>
+            <a:gs pos="100000">
+              <a:schemeClr val="phClr">
+                <a:lumMod val="105000"/>
+                <a:satMod val="109000"/>
+                <a:tint val="81000"/>
+              </a:schemeClr>
+            </a:gs>
+          </a:gsLst>
+          <a:lin ang="5400000" scaled="0"/>
+        </a:gradFill>
+        <a:gradFill rotWithShape="1">
+          <a:gsLst>
+            <a:gs pos="0">
+              <a:schemeClr val="phClr">
+                <a:satMod val="103000"/>
+                <a:lumMod val="102000"/>
+                <a:tint val="94000"/>
+              </a:schemeClr>
+            </a:gs>
+            <a:gs pos="50000">
+              <a:schemeClr val="phClr">
+                <a:satMod val="110000"/>
+                <a:lumMod val="100000"/>
+                <a:shade val="100000"/>
+              </a:schemeClr>
+            </a:gs>
+            <a:gs pos="100000">
+              <a:schemeClr val="phClr">
+                <a:lumMod val="99000"/>
+                <a:satMod val="120000"/>
+                <a:shade val="78000"/>
+              </a:schemeClr>
+            </a:gs>
+          </a:gsLst>
+          <a:lin ang="5400000" scaled="0"/>
+        </a:gradFill>
+      </a:fillStyleLst>
+      <a:lnStyleLst>
+        <a:ln w="6350" cap="flat" cmpd="sng" algn="ctr">
+          <a:solidFill>
+            <a:schemeClr val="phClr"/>
+          </a:solidFill>
+          <a:prstDash val="solid"/>
+          <a:miter lim="800000"/>
+        </a:ln>
+        <a:ln w="12700" cap="flat" cmpd="sng" algn="ctr">
+          <a:solidFill>
+            <a:schemeClr val="phClr"/>
+          </a:solidFill>
+          <a:prstDash val="solid"/>
+          <a:miter lim="800000"/>
+        </a:ln>
+        <a:ln w="19050" cap="flat" cmpd="sng" algn="ctr">
+          <a:solidFill>
+            <a:schemeClr val="phClr"/>
+          </a:solidFill>
+          <a:prstDash val="solid"/>
+          <a:miter lim="800000"/>
+        </a:ln>
+      </a:lnStyleLst>
+      <a:effectStyleLst>
+        <a:effectStyle>
+          <a:effectLst/>
+        </a:effectStyle>
+        <a:effectStyle>
+          <a:effectLst/>
+        </a:effectStyle>
+        <a:effectStyle>
+          <a:effectLst>
+            <a:outerShdw blurRad="57150" dist="19050" dir="5400000" algn="ctr" rotWithShape="0">
+              <a:srgbClr val="000000">
+                <a:alpha val="63000"/>
+              </a:srgbClr>
+            </a:outerShdw>
+          </a:effectLst>
+        </a:effectStyle>
+      </a:effectStyleLst>
+      <a:bgFillStyleLst>
+        <a:solidFill>
+          <a:schemeClr val="phClr"/>
+        </a:solidFill>
+        <a:solidFill>
+          <a:schemeClr val="phClr">
+            <a:tint val="95000"/>
+            <a:satMod val="170000"/>
+          </a:schemeClr>
+        </a:solidFill>
+        <a:gradFill rotWithShape="1">
+          <a:gsLst>
+            <a:gs pos="0">
+              <a:schemeClr val="phClr">
+                <a:tint val="93000"/>
+                <a:satMod val="150000"/>
+                <a:shade val="98000"/>
+                <a:lumMod val="102000"/>
+              </a:schemeClr>
+            </a:gs>
+            <a:gs pos="50000">
+              <a:schemeClr val="phClr">
+                <a:tint val="98000"/>
+                <a:satMod val="130000"/>
+                <a:shade val="90000"/>
+                <a:lumMod val="103000"/>
+              </a:schemeClr>
+            </a:gs>
+            <a:gs pos="100000">
+              <a:schemeClr val="phClr">
+                <a:shade val="63000"/>
+                <a:satMod val="120000"/>
+              </a:schemeClr>
+            </a:gs>
+          </a:gsLst>
+          <a:lin ang="5400000" scaled="0"/>
+        </a:gradFill>
+      </a:bgFillStyleLst>
+    </a:fmtScheme>
+  </a:themeElements>
+  <a:objectDefaults/>
+  <a:extraClrSchemeLst/>
+  <a:extLst>
+    <a:ext uri="{05A4C25C-085E-4340-85A3-A5531E510DB2}">
+      <thm15:themeFamily xmlns:thm15="http://schemas.microsoft.com/office/thememl/2012/main" name="Office Theme" id="{62F939B6-93AF-4DB8-9C6B-D6C7DFDC589F}" vid="{4A3C46E8-61CC-4603-A589-7422A47A8E4A}"/>
+    </a:ext>
+  </a:extLst>
+</a:theme>
 </file>